--- a/MVVM.pptx
+++ b/MVVM.pptx
@@ -5,7 +5,7 @@
     <p:sldMasterId id="2147483672" r:id="rId1"/>
   </p:sldMasterIdLst>
   <p:notesMasterIdLst>
-    <p:notesMasterId r:id="rId15"/>
+    <p:notesMasterId r:id="rId17"/>
   </p:notesMasterIdLst>
   <p:sldIdLst>
     <p:sldId id="256" r:id="rId2"/>
@@ -20,7 +20,9 @@
     <p:sldId id="268" r:id="rId11"/>
     <p:sldId id="264" r:id="rId12"/>
     <p:sldId id="266" r:id="rId13"/>
-    <p:sldId id="265" r:id="rId14"/>
+    <p:sldId id="269" r:id="rId14"/>
+    <p:sldId id="270" r:id="rId15"/>
+    <p:sldId id="265" r:id="rId16"/>
   </p:sldIdLst>
   <p:sldSz cx="9144000" cy="6858000" type="screen4x3"/>
   <p:notesSz cx="6858000" cy="9144000"/>
@@ -204,7 +206,7 @@
           <a:p>
             <a:fld id="{2BCA573E-9D9D-49D4-A0A3-9F0A781D289B}" type="datetimeFigureOut">
               <a:rPr lang="en-US" smtClean="0"/>
-              <a:t>12/14/2010</a:t>
+              <a:t>12/15/2010</a:t>
             </a:fld>
             <a:endParaRPr lang="en-US"/>
           </a:p>
@@ -887,7 +889,7 @@
           <a:p>
             <a:fld id="{69D25C9A-DB58-4404-8B57-4992D256C130}" type="datetimeFigureOut">
               <a:rPr lang="en-US" smtClean="0"/>
-              <a:t>12/14/2010</a:t>
+              <a:t>12/15/2010</a:t>
             </a:fld>
             <a:endParaRPr lang="en-US"/>
           </a:p>
@@ -1246,7 +1248,7 @@
           <a:p>
             <a:fld id="{69D25C9A-DB58-4404-8B57-4992D256C130}" type="datetimeFigureOut">
               <a:rPr lang="en-US" smtClean="0"/>
-              <a:t>12/14/2010</a:t>
+              <a:t>12/15/2010</a:t>
             </a:fld>
             <a:endParaRPr lang="en-US"/>
           </a:p>
@@ -1421,7 +1423,7 @@
           <a:p>
             <a:fld id="{69D25C9A-DB58-4404-8B57-4992D256C130}" type="datetimeFigureOut">
               <a:rPr lang="en-US" smtClean="0"/>
-              <a:t>12/14/2010</a:t>
+              <a:t>12/15/2010</a:t>
             </a:fld>
             <a:endParaRPr lang="en-US"/>
           </a:p>
@@ -1656,7 +1658,7 @@
           <a:p>
             <a:fld id="{69D25C9A-DB58-4404-8B57-4992D256C130}" type="datetimeFigureOut">
               <a:rPr lang="en-US" smtClean="0"/>
-              <a:t>12/14/2010</a:t>
+              <a:t>12/15/2010</a:t>
             </a:fld>
             <a:endParaRPr lang="en-US"/>
           </a:p>
@@ -1925,7 +1927,7 @@
           <a:p>
             <a:fld id="{69D25C9A-DB58-4404-8B57-4992D256C130}" type="datetimeFigureOut">
               <a:rPr lang="en-US" smtClean="0"/>
-              <a:t>12/14/2010</a:t>
+              <a:t>12/15/2010</a:t>
             </a:fld>
             <a:endParaRPr lang="en-US"/>
           </a:p>
@@ -2145,7 +2147,7 @@
           <a:p>
             <a:fld id="{69D25C9A-DB58-4404-8B57-4992D256C130}" type="datetimeFigureOut">
               <a:rPr lang="en-US" smtClean="0"/>
-              <a:t>12/14/2010</a:t>
+              <a:t>12/15/2010</a:t>
             </a:fld>
             <a:endParaRPr lang="en-US"/>
           </a:p>
@@ -2497,7 +2499,7 @@
           <a:p>
             <a:fld id="{69D25C9A-DB58-4404-8B57-4992D256C130}" type="datetimeFigureOut">
               <a:rPr lang="en-US" smtClean="0"/>
-              <a:t>12/14/2010</a:t>
+              <a:t>12/15/2010</a:t>
             </a:fld>
             <a:endParaRPr lang="en-US"/>
           </a:p>
@@ -2729,7 +2731,7 @@
           <a:p>
             <a:fld id="{69D25C9A-DB58-4404-8B57-4992D256C130}" type="datetimeFigureOut">
               <a:rPr lang="en-US" smtClean="0"/>
-              <a:t>12/14/2010</a:t>
+              <a:t>12/15/2010</a:t>
             </a:fld>
             <a:endParaRPr lang="en-US"/>
           </a:p>
@@ -2869,7 +2871,7 @@
           <a:p>
             <a:fld id="{69D25C9A-DB58-4404-8B57-4992D256C130}" type="datetimeFigureOut">
               <a:rPr lang="en-US" smtClean="0"/>
-              <a:t>12/14/2010</a:t>
+              <a:t>12/15/2010</a:t>
             </a:fld>
             <a:endParaRPr lang="en-US"/>
           </a:p>
@@ -3146,7 +3148,7 @@
           <a:p>
             <a:fld id="{69D25C9A-DB58-4404-8B57-4992D256C130}" type="datetimeFigureOut">
               <a:rPr lang="en-US" smtClean="0"/>
-              <a:t>12/14/2010</a:t>
+              <a:t>12/15/2010</a:t>
             </a:fld>
             <a:endParaRPr lang="en-US"/>
           </a:p>
@@ -3553,7 +3555,7 @@
           <a:p>
             <a:fld id="{69D25C9A-DB58-4404-8B57-4992D256C130}" type="datetimeFigureOut">
               <a:rPr lang="en-US" smtClean="0"/>
-              <a:t>12/14/2010</a:t>
+              <a:t>12/15/2010</a:t>
             </a:fld>
             <a:endParaRPr lang="en-US"/>
           </a:p>
@@ -3891,7 +3893,7 @@
           <a:p>
             <a:fld id="{69D25C9A-DB58-4404-8B57-4992D256C130}" type="datetimeFigureOut">
               <a:rPr lang="en-US" smtClean="0"/>
-              <a:t>12/14/2010</a:t>
+              <a:t>12/15/2010</a:t>
             </a:fld>
             <a:endParaRPr lang="en-US"/>
           </a:p>
@@ -4533,6 +4535,417 @@
           </a:p>
         </p:txBody>
       </p:sp>
+      <p:sp>
+        <p:nvSpPr>
+          <p:cNvPr id="4" name="Content Placeholder 3"/>
+          <p:cNvSpPr>
+            <a:spLocks noGrp="1"/>
+          </p:cNvSpPr>
+          <p:nvPr>
+            <p:ph sz="quarter" idx="1"/>
+          </p:nvPr>
+        </p:nvSpPr>
+        <p:spPr>
+          <a:xfrm>
+            <a:off x="457200" y="1219200"/>
+            <a:ext cx="8229600" cy="5334000"/>
+          </a:xfrm>
+        </p:spPr>
+        <p:txBody>
+          <a:bodyPr>
+            <a:normAutofit fontScale="92500" lnSpcReduction="20000"/>
+          </a:bodyPr>
+          <a:lstStyle/>
+          <a:p>
+            <a:pPr marL="0" indent="0">
+              <a:buNone/>
+            </a:pPr>
+            <a:r>
+              <a:rPr lang="en-US" dirty="0" smtClean="0">
+                <a:solidFill>
+                  <a:srgbClr val="0000FF"/>
+                </a:solidFill>
+              </a:rPr>
+              <a:t>public</a:t>
+            </a:r>
+            <a:r>
+              <a:rPr lang="en-US" dirty="0"/>
+              <a:t> </a:t>
+            </a:r>
+            <a:r>
+              <a:rPr lang="en-US" dirty="0">
+                <a:solidFill>
+                  <a:srgbClr val="0000FF"/>
+                </a:solidFill>
+              </a:rPr>
+              <a:t>class</a:t>
+            </a:r>
+            <a:r>
+              <a:rPr lang="en-US" dirty="0"/>
+              <a:t> </a:t>
+            </a:r>
+            <a:r>
+              <a:rPr lang="en-US" dirty="0" err="1">
+                <a:solidFill>
+                  <a:srgbClr val="2B91AF"/>
+                </a:solidFill>
+              </a:rPr>
+              <a:t>ExampleViewModel</a:t>
+            </a:r>
+            <a:r>
+              <a:rPr lang="en-US" dirty="0"/>
+              <a:t> : </a:t>
+            </a:r>
+            <a:r>
+              <a:rPr lang="en-US" dirty="0" err="1">
+                <a:solidFill>
+                  <a:srgbClr val="2B91AF"/>
+                </a:solidFill>
+              </a:rPr>
+              <a:t>INotifyPropertyChanged</a:t>
+            </a:r>
+            <a:r>
+              <a:rPr lang="en-US" dirty="0"/>
+              <a:t/>
+            </a:r>
+            <a:br>
+              <a:rPr lang="en-US" dirty="0"/>
+            </a:br>
+            <a:r>
+              <a:rPr lang="en-US" dirty="0" smtClean="0"/>
+              <a:t>{</a:t>
+            </a:r>
+            <a:r>
+              <a:rPr lang="en-US" dirty="0"/>
+              <a:t/>
+            </a:r>
+            <a:br>
+              <a:rPr lang="en-US" dirty="0"/>
+            </a:br>
+            <a:r>
+              <a:rPr lang="en-US" dirty="0"/>
+              <a:t>        </a:t>
+            </a:r>
+            <a:r>
+              <a:rPr lang="en-US" dirty="0">
+                <a:solidFill>
+                  <a:srgbClr val="008000"/>
+                </a:solidFill>
+              </a:rPr>
+              <a:t>// basic binding</a:t>
+            </a:r>
+            <a:r>
+              <a:rPr lang="en-US" dirty="0"/>
+              <a:t/>
+            </a:r>
+            <a:br>
+              <a:rPr lang="en-US" dirty="0"/>
+            </a:br>
+            <a:r>
+              <a:rPr lang="en-US" dirty="0"/>
+              <a:t>        </a:t>
+            </a:r>
+            <a:r>
+              <a:rPr lang="en-US" dirty="0">
+                <a:solidFill>
+                  <a:srgbClr val="0000FF"/>
+                </a:solidFill>
+              </a:rPr>
+              <a:t>private</a:t>
+            </a:r>
+            <a:r>
+              <a:rPr lang="en-US" dirty="0"/>
+              <a:t> </a:t>
+            </a:r>
+            <a:r>
+              <a:rPr lang="en-US" dirty="0" err="1">
+                <a:solidFill>
+                  <a:srgbClr val="0000FF"/>
+                </a:solidFill>
+              </a:rPr>
+              <a:t>int</a:t>
+            </a:r>
+            <a:r>
+              <a:rPr lang="en-US" dirty="0"/>
+              <a:t> </a:t>
+            </a:r>
+            <a:r>
+              <a:rPr lang="en-US" dirty="0" err="1"/>
+              <a:t>employeeCode</a:t>
+            </a:r>
+            <a:r>
+              <a:rPr lang="en-US" dirty="0"/>
+              <a:t>;</a:t>
+            </a:r>
+            <a:br>
+              <a:rPr lang="en-US" dirty="0"/>
+            </a:br>
+            <a:r>
+              <a:rPr lang="en-US" dirty="0"/>
+              <a:t>        </a:t>
+            </a:r>
+            <a:r>
+              <a:rPr lang="en-US" dirty="0">
+                <a:solidFill>
+                  <a:srgbClr val="0000FF"/>
+                </a:solidFill>
+              </a:rPr>
+              <a:t>public</a:t>
+            </a:r>
+            <a:r>
+              <a:rPr lang="en-US" dirty="0"/>
+              <a:t> </a:t>
+            </a:r>
+            <a:r>
+              <a:rPr lang="en-US" dirty="0" err="1">
+                <a:solidFill>
+                  <a:srgbClr val="0000FF"/>
+                </a:solidFill>
+              </a:rPr>
+              <a:t>int</a:t>
+            </a:r>
+            <a:r>
+              <a:rPr lang="en-US" dirty="0"/>
+              <a:t> </a:t>
+            </a:r>
+            <a:r>
+              <a:rPr lang="en-US" dirty="0" err="1"/>
+              <a:t>EmployeeCode</a:t>
+            </a:r>
+            <a:r>
+              <a:rPr lang="en-US" dirty="0"/>
+              <a:t/>
+            </a:r>
+            <a:br>
+              <a:rPr lang="en-US" dirty="0"/>
+            </a:br>
+            <a:r>
+              <a:rPr lang="en-US" dirty="0"/>
+              <a:t>        {</a:t>
+            </a:r>
+            <a:br>
+              <a:rPr lang="en-US" dirty="0"/>
+            </a:br>
+            <a:r>
+              <a:rPr lang="en-US" dirty="0"/>
+              <a:t>            </a:t>
+            </a:r>
+            <a:r>
+              <a:rPr lang="en-US" dirty="0">
+                <a:solidFill>
+                  <a:srgbClr val="0000FF"/>
+                </a:solidFill>
+              </a:rPr>
+              <a:t>get</a:t>
+            </a:r>
+            <a:r>
+              <a:rPr lang="en-US" dirty="0"/>
+              <a:t> { </a:t>
+            </a:r>
+            <a:r>
+              <a:rPr lang="en-US" dirty="0">
+                <a:solidFill>
+                  <a:srgbClr val="0000FF"/>
+                </a:solidFill>
+              </a:rPr>
+              <a:t>return</a:t>
+            </a:r>
+            <a:r>
+              <a:rPr lang="en-US" dirty="0"/>
+              <a:t> </a:t>
+            </a:r>
+            <a:r>
+              <a:rPr lang="en-US" dirty="0" err="1"/>
+              <a:t>employeeCode</a:t>
+            </a:r>
+            <a:r>
+              <a:rPr lang="en-US" dirty="0"/>
+              <a:t>;}</a:t>
+            </a:r>
+            <a:br>
+              <a:rPr lang="en-US" dirty="0"/>
+            </a:br>
+            <a:r>
+              <a:rPr lang="en-US" dirty="0"/>
+              <a:t>            </a:t>
+            </a:r>
+            <a:r>
+              <a:rPr lang="en-US" dirty="0">
+                <a:solidFill>
+                  <a:srgbClr val="0000FF"/>
+                </a:solidFill>
+              </a:rPr>
+              <a:t>set</a:t>
+            </a:r>
+            <a:r>
+              <a:rPr lang="en-US" dirty="0"/>
+              <a:t/>
+            </a:r>
+            <a:br>
+              <a:rPr lang="en-US" dirty="0"/>
+            </a:br>
+            <a:r>
+              <a:rPr lang="en-US" dirty="0"/>
+              <a:t>            {</a:t>
+            </a:r>
+            <a:br>
+              <a:rPr lang="en-US" dirty="0"/>
+            </a:br>
+            <a:r>
+              <a:rPr lang="en-US" dirty="0"/>
+              <a:t>                </a:t>
+            </a:r>
+            <a:r>
+              <a:rPr lang="en-US" dirty="0">
+                <a:solidFill>
+                  <a:srgbClr val="0000FF"/>
+                </a:solidFill>
+              </a:rPr>
+              <a:t>if</a:t>
+            </a:r>
+            <a:r>
+              <a:rPr lang="en-US" dirty="0"/>
+              <a:t> (</a:t>
+            </a:r>
+            <a:r>
+              <a:rPr lang="en-US" dirty="0" err="1"/>
+              <a:t>employeeCode</a:t>
+            </a:r>
+            <a:r>
+              <a:rPr lang="en-US" dirty="0"/>
+              <a:t> == </a:t>
+            </a:r>
+            <a:r>
+              <a:rPr lang="en-US" dirty="0">
+                <a:solidFill>
+                  <a:srgbClr val="0000FF"/>
+                </a:solidFill>
+              </a:rPr>
+              <a:t>value</a:t>
+            </a:r>
+            <a:r>
+              <a:rPr lang="en-US" dirty="0"/>
+              <a:t>) </a:t>
+            </a:r>
+            <a:r>
+              <a:rPr lang="en-US" dirty="0">
+                <a:solidFill>
+                  <a:srgbClr val="0000FF"/>
+                </a:solidFill>
+              </a:rPr>
+              <a:t>return</a:t>
+            </a:r>
+            <a:r>
+              <a:rPr lang="en-US" dirty="0"/>
+              <a:t>;</a:t>
+            </a:r>
+            <a:br>
+              <a:rPr lang="en-US" dirty="0"/>
+            </a:br>
+            <a:r>
+              <a:rPr lang="en-US" dirty="0"/>
+              <a:t>                </a:t>
+            </a:r>
+            <a:r>
+              <a:rPr lang="en-US" dirty="0" err="1"/>
+              <a:t>employeeCode</a:t>
+            </a:r>
+            <a:r>
+              <a:rPr lang="en-US" dirty="0"/>
+              <a:t> = </a:t>
+            </a:r>
+            <a:r>
+              <a:rPr lang="en-US" dirty="0">
+                <a:solidFill>
+                  <a:srgbClr val="0000FF"/>
+                </a:solidFill>
+              </a:rPr>
+              <a:t>value</a:t>
+            </a:r>
+            <a:r>
+              <a:rPr lang="en-US" dirty="0"/>
+              <a:t>;</a:t>
+            </a:r>
+            <a:br>
+              <a:rPr lang="en-US" dirty="0"/>
+            </a:br>
+            <a:r>
+              <a:rPr lang="en-US" dirty="0"/>
+              <a:t>                </a:t>
+            </a:r>
+            <a:r>
+              <a:rPr lang="en-US" dirty="0" err="1"/>
+              <a:t>RaisePropertyChanged</a:t>
+            </a:r>
+            <a:r>
+              <a:rPr lang="en-US" dirty="0"/>
+              <a:t>(</a:t>
+            </a:r>
+            <a:r>
+              <a:rPr lang="en-US" dirty="0">
+                <a:solidFill>
+                  <a:srgbClr val="A31515"/>
+                </a:solidFill>
+              </a:rPr>
+              <a:t>"</a:t>
+            </a:r>
+            <a:r>
+              <a:rPr lang="en-US" dirty="0" err="1">
+                <a:solidFill>
+                  <a:srgbClr val="A31515"/>
+                </a:solidFill>
+              </a:rPr>
+              <a:t>EmployeeCode</a:t>
+            </a:r>
+            <a:r>
+              <a:rPr lang="en-US" dirty="0">
+                <a:solidFill>
+                  <a:srgbClr val="A31515"/>
+                </a:solidFill>
+              </a:rPr>
+              <a:t>"</a:t>
+            </a:r>
+            <a:r>
+              <a:rPr lang="en-US" dirty="0"/>
+              <a:t>);</a:t>
+            </a:r>
+            <a:br>
+              <a:rPr lang="en-US" dirty="0"/>
+            </a:br>
+            <a:r>
+              <a:rPr lang="en-US" dirty="0"/>
+              <a:t>            }</a:t>
+            </a:r>
+            <a:br>
+              <a:rPr lang="en-US" dirty="0"/>
+            </a:br>
+            <a:r>
+              <a:rPr lang="en-US" dirty="0"/>
+              <a:t/>
+            </a:r>
+            <a:br>
+              <a:rPr lang="en-US" dirty="0"/>
+            </a:br>
+            <a:r>
+              <a:rPr lang="en-US" dirty="0"/>
+              <a:t>        </a:t>
+            </a:r>
+            <a:r>
+              <a:rPr lang="en-US" dirty="0" smtClean="0"/>
+              <a:t>}</a:t>
+            </a:r>
+          </a:p>
+          <a:p>
+            <a:pPr marL="0" indent="0">
+              <a:buNone/>
+            </a:pPr>
+            <a:r>
+              <a:rPr lang="en-US" dirty="0"/>
+              <a:t>}</a:t>
+            </a:r>
+          </a:p>
+        </p:txBody>
+      </p:sp>
     </p:spTree>
     <p:extLst>
       <p:ext uri="{BB962C8B-B14F-4D97-AF65-F5344CB8AC3E}">
@@ -4543,6 +4956,13 @@
   <p:clrMapOvr>
     <a:masterClrMapping/>
   </p:clrMapOvr>
+  <p:timing>
+    <p:tnLst>
+      <p:par>
+        <p:cTn id="1" dur="indefinite" restart="never" nodeType="tmRoot"/>
+      </p:par>
+    </p:tnLst>
+  </p:timing>
 </p:sld>
 </file>
 
@@ -5939,6 +6359,460 @@
           </a:p>
         </p:txBody>
       </p:sp>
+      <p:sp>
+        <p:nvSpPr>
+          <p:cNvPr id="3" name="Content Placeholder 2"/>
+          <p:cNvSpPr>
+            <a:spLocks noGrp="1"/>
+          </p:cNvSpPr>
+          <p:nvPr>
+            <p:ph sz="quarter" idx="1"/>
+          </p:nvPr>
+        </p:nvSpPr>
+        <p:spPr/>
+        <p:txBody>
+          <a:bodyPr>
+            <a:normAutofit lnSpcReduction="10000"/>
+          </a:bodyPr>
+          <a:lstStyle/>
+          <a:p>
+            <a:r>
+              <a:rPr lang="en-US" dirty="0" smtClean="0"/>
+              <a:t>Binding to a Views </a:t>
+            </a:r>
+            <a:r>
+              <a:rPr lang="en-US" dirty="0" err="1" smtClean="0"/>
+              <a:t>DataContext</a:t>
+            </a:r>
+            <a:endParaRPr lang="en-US" dirty="0" smtClean="0"/>
+          </a:p>
+          <a:p>
+            <a:pPr lvl="1"/>
+            <a:r>
+              <a:rPr lang="en-US" dirty="0">
+                <a:solidFill>
+                  <a:srgbClr val="0000FF"/>
+                </a:solidFill>
+              </a:rPr>
+              <a:t>public</a:t>
+            </a:r>
+            <a:r>
+              <a:rPr lang="en-US" dirty="0"/>
+              <a:t> </a:t>
+            </a:r>
+            <a:r>
+              <a:rPr lang="en-US" dirty="0" err="1">
+                <a:solidFill>
+                  <a:srgbClr val="2B91AF"/>
+                </a:solidFill>
+              </a:rPr>
+              <a:t>ExampleViewModel</a:t>
+            </a:r>
+            <a:r>
+              <a:rPr lang="en-US" dirty="0"/>
+              <a:t> </a:t>
+            </a:r>
+            <a:r>
+              <a:rPr lang="en-US" dirty="0" err="1"/>
+              <a:t>ViewModel</a:t>
+            </a:r>
+            <a:r>
+              <a:rPr lang="en-US" dirty="0"/>
+              <a:t> { </a:t>
+            </a:r>
+            <a:r>
+              <a:rPr lang="en-US" dirty="0">
+                <a:solidFill>
+                  <a:srgbClr val="0000FF"/>
+                </a:solidFill>
+              </a:rPr>
+              <a:t>get</a:t>
+            </a:r>
+            <a:r>
+              <a:rPr lang="en-US" dirty="0"/>
+              <a:t>; </a:t>
+            </a:r>
+            <a:r>
+              <a:rPr lang="en-US" dirty="0">
+                <a:solidFill>
+                  <a:srgbClr val="0000FF"/>
+                </a:solidFill>
+              </a:rPr>
+              <a:t>set</a:t>
+            </a:r>
+            <a:r>
+              <a:rPr lang="en-US" dirty="0"/>
+              <a:t>; }</a:t>
+            </a:r>
+            <a:br>
+              <a:rPr lang="en-US" dirty="0"/>
+            </a:br>
+            <a:r>
+              <a:rPr lang="en-US" dirty="0" smtClean="0">
+                <a:solidFill>
+                  <a:srgbClr val="0000FF"/>
+                </a:solidFill>
+              </a:rPr>
+              <a:t>void</a:t>
+            </a:r>
+            <a:r>
+              <a:rPr lang="en-US" dirty="0"/>
+              <a:t> </a:t>
+            </a:r>
+            <a:r>
+              <a:rPr lang="en-US" dirty="0" err="1"/>
+              <a:t>MainPage_Loaded</a:t>
+            </a:r>
+            <a:r>
+              <a:rPr lang="en-US" dirty="0"/>
+              <a:t>(</a:t>
+            </a:r>
+            <a:r>
+              <a:rPr lang="en-US" dirty="0">
+                <a:solidFill>
+                  <a:srgbClr val="0000FF"/>
+                </a:solidFill>
+              </a:rPr>
+              <a:t>object</a:t>
+            </a:r>
+            <a:r>
+              <a:rPr lang="en-US" dirty="0"/>
+              <a:t> sender, </a:t>
+            </a:r>
+            <a:r>
+              <a:rPr lang="en-US" dirty="0" err="1" smtClean="0">
+                <a:solidFill>
+                  <a:srgbClr val="2B91AF"/>
+                </a:solidFill>
+              </a:rPr>
+              <a:t>RoutedEventArgs</a:t>
+            </a:r>
+            <a:r>
+              <a:rPr lang="en-US" dirty="0"/>
+              <a:t> e)</a:t>
+            </a:r>
+            <a:br>
+              <a:rPr lang="en-US" dirty="0"/>
+            </a:br>
+            <a:r>
+              <a:rPr lang="en-US" dirty="0" smtClean="0"/>
+              <a:t>{</a:t>
+            </a:r>
+            <a:r>
+              <a:rPr lang="en-US" dirty="0"/>
+              <a:t/>
+            </a:r>
+            <a:br>
+              <a:rPr lang="en-US" dirty="0"/>
+            </a:br>
+            <a:r>
+              <a:rPr lang="en-US" dirty="0"/>
+              <a:t>    </a:t>
+            </a:r>
+            <a:r>
+              <a:rPr lang="en-US" dirty="0" smtClean="0">
+                <a:solidFill>
+                  <a:srgbClr val="0000FF"/>
+                </a:solidFill>
+              </a:rPr>
+              <a:t>if</a:t>
+            </a:r>
+            <a:r>
+              <a:rPr lang="en-US" dirty="0"/>
+              <a:t> (initialized) </a:t>
+            </a:r>
+            <a:r>
+              <a:rPr lang="en-US" dirty="0">
+                <a:solidFill>
+                  <a:srgbClr val="0000FF"/>
+                </a:solidFill>
+              </a:rPr>
+              <a:t>return</a:t>
+            </a:r>
+            <a:r>
+              <a:rPr lang="en-US" dirty="0"/>
+              <a:t>;</a:t>
+            </a:r>
+            <a:br>
+              <a:rPr lang="en-US" dirty="0"/>
+            </a:br>
+            <a:r>
+              <a:rPr lang="en-US" dirty="0"/>
+              <a:t>    </a:t>
+            </a:r>
+            <a:r>
+              <a:rPr lang="en-US" dirty="0" smtClean="0"/>
+              <a:t>initialized</a:t>
+            </a:r>
+            <a:r>
+              <a:rPr lang="en-US" dirty="0"/>
+              <a:t> = </a:t>
+            </a:r>
+            <a:r>
+              <a:rPr lang="en-US" dirty="0">
+                <a:solidFill>
+                  <a:srgbClr val="0000FF"/>
+                </a:solidFill>
+              </a:rPr>
+              <a:t>true</a:t>
+            </a:r>
+            <a:r>
+              <a:rPr lang="en-US" dirty="0"/>
+              <a:t>;</a:t>
+            </a:r>
+            <a:br>
+              <a:rPr lang="en-US" dirty="0"/>
+            </a:br>
+            <a:r>
+              <a:rPr lang="en-US" dirty="0"/>
+              <a:t/>
+            </a:r>
+            <a:br>
+              <a:rPr lang="en-US" dirty="0"/>
+            </a:br>
+            <a:r>
+              <a:rPr lang="en-US" dirty="0"/>
+              <a:t>    </a:t>
+            </a:r>
+            <a:r>
+              <a:rPr lang="en-US" dirty="0" err="1" smtClean="0"/>
+              <a:t>DataContext</a:t>
+            </a:r>
+            <a:r>
+              <a:rPr lang="en-US" dirty="0"/>
+              <a:t> = </a:t>
+            </a:r>
+            <a:r>
+              <a:rPr lang="en-US" dirty="0" err="1"/>
+              <a:t>ViewModel</a:t>
+            </a:r>
+            <a:r>
+              <a:rPr lang="en-US" dirty="0"/>
+              <a:t>;</a:t>
+            </a:r>
+            <a:br>
+              <a:rPr lang="en-US" dirty="0"/>
+            </a:br>
+            <a:r>
+              <a:rPr lang="en-US" dirty="0" smtClean="0"/>
+              <a:t>}</a:t>
+            </a:r>
+            <a:endParaRPr lang="en-US" dirty="0"/>
+          </a:p>
+          <a:p>
+            <a:r>
+              <a:rPr lang="en-US" dirty="0" smtClean="0"/>
+              <a:t>One-way Binding</a:t>
+            </a:r>
+          </a:p>
+          <a:p>
+            <a:pPr lvl="1"/>
+            <a:r>
+              <a:rPr lang="en-US" dirty="0" smtClean="0">
+                <a:solidFill>
+                  <a:srgbClr val="0000FF"/>
+                </a:solidFill>
+              </a:rPr>
+              <a:t>&lt;</a:t>
+            </a:r>
+            <a:r>
+              <a:rPr lang="en-US" dirty="0" err="1">
+                <a:solidFill>
+                  <a:srgbClr val="A31515"/>
+                </a:solidFill>
+              </a:rPr>
+              <a:t>TextBlock</a:t>
+            </a:r>
+            <a:r>
+              <a:rPr lang="en-US" dirty="0">
+                <a:solidFill>
+                  <a:srgbClr val="FF0000"/>
+                </a:solidFill>
+              </a:rPr>
+              <a:t> </a:t>
+            </a:r>
+            <a:r>
+              <a:rPr lang="en-US" dirty="0" smtClean="0">
+                <a:solidFill>
+                  <a:srgbClr val="FF0000"/>
+                </a:solidFill>
+              </a:rPr>
+              <a:t>Text</a:t>
+            </a:r>
+            <a:r>
+              <a:rPr lang="en-US" dirty="0">
+                <a:solidFill>
+                  <a:srgbClr val="0000FF"/>
+                </a:solidFill>
+              </a:rPr>
+              <a:t>="{</a:t>
+            </a:r>
+            <a:r>
+              <a:rPr lang="en-US" dirty="0">
+                <a:solidFill>
+                  <a:srgbClr val="A31515"/>
+                </a:solidFill>
+              </a:rPr>
+              <a:t>Binding</a:t>
+            </a:r>
+            <a:r>
+              <a:rPr lang="en-US" dirty="0">
+                <a:solidFill>
+                  <a:srgbClr val="FF0000"/>
+                </a:solidFill>
+              </a:rPr>
+              <a:t> Path</a:t>
+            </a:r>
+            <a:r>
+              <a:rPr lang="en-US" dirty="0">
+                <a:solidFill>
+                  <a:srgbClr val="0000FF"/>
+                </a:solidFill>
+              </a:rPr>
+              <a:t>=</a:t>
+            </a:r>
+            <a:r>
+              <a:rPr lang="en-US" dirty="0" err="1">
+                <a:solidFill>
+                  <a:srgbClr val="0000FF"/>
+                </a:solidFill>
+              </a:rPr>
+              <a:t>EmployeeName</a:t>
+            </a:r>
+            <a:r>
+              <a:rPr lang="en-US" dirty="0" smtClean="0">
+                <a:solidFill>
+                  <a:srgbClr val="0000FF"/>
+                </a:solidFill>
+              </a:rPr>
+              <a:t>}“ /&gt;</a:t>
+            </a:r>
+          </a:p>
+          <a:p>
+            <a:r>
+              <a:rPr lang="en-US" dirty="0" smtClean="0"/>
+              <a:t>Two-Way Binding</a:t>
+            </a:r>
+            <a:endParaRPr lang="en-US" dirty="0"/>
+          </a:p>
+          <a:p>
+            <a:pPr lvl="1"/>
+            <a:r>
+              <a:rPr lang="en-US" dirty="0" smtClean="0">
+                <a:solidFill>
+                  <a:srgbClr val="0000FF"/>
+                </a:solidFill>
+              </a:rPr>
+              <a:t>&lt;</a:t>
+            </a:r>
+            <a:r>
+              <a:rPr lang="en-US" dirty="0" err="1" smtClean="0">
+                <a:solidFill>
+                  <a:srgbClr val="A31515"/>
+                </a:solidFill>
+              </a:rPr>
+              <a:t>TextBox</a:t>
+            </a:r>
+            <a:r>
+              <a:rPr lang="en-US" dirty="0">
+                <a:solidFill>
+                  <a:srgbClr val="FF0000"/>
+                </a:solidFill>
+              </a:rPr>
+              <a:t> Text</a:t>
+            </a:r>
+            <a:r>
+              <a:rPr lang="en-US" dirty="0">
+                <a:solidFill>
+                  <a:srgbClr val="0000FF"/>
+                </a:solidFill>
+              </a:rPr>
+              <a:t>="{</a:t>
+            </a:r>
+            <a:r>
+              <a:rPr lang="en-US" dirty="0">
+                <a:solidFill>
+                  <a:srgbClr val="A31515"/>
+                </a:solidFill>
+              </a:rPr>
+              <a:t>Binding</a:t>
+            </a:r>
+            <a:r>
+              <a:rPr lang="en-US" dirty="0">
+                <a:solidFill>
+                  <a:srgbClr val="FF0000"/>
+                </a:solidFill>
+              </a:rPr>
+              <a:t> Path</a:t>
+            </a:r>
+            <a:r>
+              <a:rPr lang="en-US" dirty="0">
+                <a:solidFill>
+                  <a:srgbClr val="0000FF"/>
+                </a:solidFill>
+              </a:rPr>
+              <a:t>=</a:t>
+            </a:r>
+            <a:r>
+              <a:rPr lang="en-US" dirty="0" err="1">
+                <a:solidFill>
+                  <a:srgbClr val="0000FF"/>
+                </a:solidFill>
+              </a:rPr>
+              <a:t>FirstName</a:t>
+            </a:r>
+            <a:r>
+              <a:rPr lang="en-US" dirty="0">
+                <a:solidFill>
+                  <a:srgbClr val="0000FF"/>
+                </a:solidFill>
+              </a:rPr>
+              <a:t>,</a:t>
+            </a:r>
+            <a:r>
+              <a:rPr lang="en-US" dirty="0">
+                <a:solidFill>
+                  <a:srgbClr val="FF0000"/>
+                </a:solidFill>
+              </a:rPr>
+              <a:t> Mode</a:t>
+            </a:r>
+            <a:r>
+              <a:rPr lang="en-US" dirty="0">
+                <a:solidFill>
+                  <a:srgbClr val="0000FF"/>
+                </a:solidFill>
+              </a:rPr>
+              <a:t>=</a:t>
+            </a:r>
+            <a:r>
+              <a:rPr lang="en-US" dirty="0" err="1">
+                <a:solidFill>
+                  <a:srgbClr val="0000FF"/>
+                </a:solidFill>
+              </a:rPr>
+              <a:t>TwoWay</a:t>
+            </a:r>
+            <a:r>
+              <a:rPr lang="en-US" dirty="0">
+                <a:solidFill>
+                  <a:srgbClr val="0000FF"/>
+                </a:solidFill>
+              </a:rPr>
+              <a:t>}" </a:t>
+            </a:r>
+            <a:r>
+              <a:rPr lang="en-US" dirty="0" smtClean="0">
+                <a:solidFill>
+                  <a:srgbClr val="0000FF"/>
+                </a:solidFill>
+              </a:rPr>
+              <a:t>/&gt;</a:t>
+            </a:r>
+            <a:endParaRPr lang="en-US" dirty="0"/>
+          </a:p>
+        </p:txBody>
+      </p:sp>
     </p:spTree>
     <p:extLst>
       <p:ext uri="{BB962C8B-B14F-4D97-AF65-F5344CB8AC3E}">
@@ -5949,10 +6823,251 @@
   <p:clrMapOvr>
     <a:masterClrMapping/>
   </p:clrMapOvr>
+  <p:timing>
+    <p:tnLst>
+      <p:par>
+        <p:cTn id="1" dur="indefinite" restart="never" nodeType="tmRoot"/>
+      </p:par>
+    </p:tnLst>
+  </p:timing>
 </p:sld>
 </file>
 
 <file path=ppt/slides/slide13.xml><?xml version="1.0" encoding="utf-8"?>
+<p:sld xmlns:a="http://schemas.openxmlformats.org/drawingml/2006/main" xmlns:r="http://schemas.openxmlformats.org/officeDocument/2006/relationships" xmlns:p="http://schemas.openxmlformats.org/presentationml/2006/main">
+  <p:cSld>
+    <p:spTree>
+      <p:nvGrpSpPr>
+        <p:cNvPr id="1" name=""/>
+        <p:cNvGrpSpPr/>
+        <p:nvPr/>
+      </p:nvGrpSpPr>
+      <p:grpSpPr>
+        <a:xfrm>
+          <a:off x="0" y="0"/>
+          <a:ext cx="0" cy="0"/>
+          <a:chOff x="0" y="0"/>
+          <a:chExt cx="0" cy="0"/>
+        </a:xfrm>
+      </p:grpSpPr>
+      <p:sp>
+        <p:nvSpPr>
+          <p:cNvPr id="2" name="Title 1"/>
+          <p:cNvSpPr>
+            <a:spLocks noGrp="1"/>
+          </p:cNvSpPr>
+          <p:nvPr>
+            <p:ph type="title"/>
+          </p:nvPr>
+        </p:nvSpPr>
+        <p:spPr/>
+        <p:txBody>
+          <a:bodyPr/>
+          <a:lstStyle/>
+          <a:p>
+            <a:r>
+              <a:rPr lang="en-US" dirty="0" smtClean="0"/>
+              <a:t>Binding to a Collection</a:t>
+            </a:r>
+            <a:endParaRPr lang="en-US" dirty="0"/>
+          </a:p>
+        </p:txBody>
+      </p:sp>
+      <p:sp>
+        <p:nvSpPr>
+          <p:cNvPr id="3" name="Content Placeholder 2"/>
+          <p:cNvSpPr>
+            <a:spLocks noGrp="1"/>
+          </p:cNvSpPr>
+          <p:nvPr>
+            <p:ph sz="quarter" idx="1"/>
+          </p:nvPr>
+        </p:nvSpPr>
+        <p:spPr/>
+        <p:txBody>
+          <a:bodyPr/>
+          <a:lstStyle/>
+          <a:p>
+            <a:r>
+              <a:rPr lang="en-US" dirty="0" smtClean="0"/>
+              <a:t>Keys to </a:t>
+            </a:r>
+            <a:r>
+              <a:rPr lang="en-US" dirty="0" err="1" smtClean="0"/>
+              <a:t>Databinding</a:t>
+            </a:r>
+            <a:r>
+              <a:rPr lang="en-US" dirty="0" smtClean="0"/>
+              <a:t> to a Collection</a:t>
+            </a:r>
+          </a:p>
+          <a:p>
+            <a:pPr lvl="1"/>
+            <a:r>
+              <a:rPr lang="en-US" dirty="0" err="1" smtClean="0"/>
+              <a:t>ObservableCollection</a:t>
+            </a:r>
+            <a:r>
+              <a:rPr lang="en-US" dirty="0" smtClean="0"/>
+              <a:t>&lt;T&gt;</a:t>
+            </a:r>
+          </a:p>
+          <a:p>
+            <a:pPr lvl="1"/>
+            <a:r>
+              <a:rPr lang="en-US" dirty="0" err="1" smtClean="0"/>
+              <a:t>ItemsSource</a:t>
+            </a:r>
+            <a:endParaRPr lang="en-US" dirty="0" smtClean="0"/>
+          </a:p>
+          <a:p>
+            <a:pPr lvl="1"/>
+            <a:r>
+              <a:rPr lang="en-US" dirty="0" err="1" smtClean="0"/>
+              <a:t>DataContext</a:t>
+            </a:r>
+            <a:endParaRPr lang="en-US" dirty="0" smtClean="0"/>
+          </a:p>
+          <a:p>
+            <a:pPr lvl="1"/>
+            <a:r>
+              <a:rPr lang="en-US" dirty="0" err="1" smtClean="0"/>
+              <a:t>DataTemplates</a:t>
+            </a:r>
+            <a:endParaRPr lang="en-US" dirty="0" smtClean="0"/>
+          </a:p>
+          <a:p>
+            <a:endParaRPr lang="en-US" dirty="0" smtClean="0"/>
+          </a:p>
+        </p:txBody>
+      </p:sp>
+    </p:spTree>
+    <p:extLst>
+      <p:ext uri="{BB962C8B-B14F-4D97-AF65-F5344CB8AC3E}">
+        <p14:creationId xmlns:p14="http://schemas.microsoft.com/office/powerpoint/2010/main" val="3275806376"/>
+      </p:ext>
+    </p:extLst>
+  </p:cSld>
+  <p:clrMapOvr>
+    <a:masterClrMapping/>
+  </p:clrMapOvr>
+  <p:timing>
+    <p:tnLst>
+      <p:par>
+        <p:cTn id="1" dur="indefinite" restart="never" nodeType="tmRoot"/>
+      </p:par>
+    </p:tnLst>
+  </p:timing>
+</p:sld>
+</file>
+
+<file path=ppt/slides/slide14.xml><?xml version="1.0" encoding="utf-8"?>
+<p:sld xmlns:a="http://schemas.openxmlformats.org/drawingml/2006/main" xmlns:r="http://schemas.openxmlformats.org/officeDocument/2006/relationships" xmlns:p="http://schemas.openxmlformats.org/presentationml/2006/main">
+  <p:cSld>
+    <p:spTree>
+      <p:nvGrpSpPr>
+        <p:cNvPr id="1" name=""/>
+        <p:cNvGrpSpPr/>
+        <p:nvPr/>
+      </p:nvGrpSpPr>
+      <p:grpSpPr>
+        <a:xfrm>
+          <a:off x="0" y="0"/>
+          <a:ext cx="0" cy="0"/>
+          <a:chOff x="0" y="0"/>
+          <a:chExt cx="0" cy="0"/>
+        </a:xfrm>
+      </p:grpSpPr>
+      <p:sp>
+        <p:nvSpPr>
+          <p:cNvPr id="2" name="Title 1"/>
+          <p:cNvSpPr>
+            <a:spLocks noGrp="1"/>
+          </p:cNvSpPr>
+          <p:nvPr>
+            <p:ph type="title"/>
+          </p:nvPr>
+        </p:nvSpPr>
+        <p:spPr/>
+        <p:txBody>
+          <a:bodyPr/>
+          <a:lstStyle/>
+          <a:p>
+            <a:r>
+              <a:rPr lang="en-US" dirty="0" smtClean="0"/>
+              <a:t>Binding to a Selection</a:t>
+            </a:r>
+            <a:endParaRPr lang="en-US" dirty="0"/>
+          </a:p>
+        </p:txBody>
+      </p:sp>
+      <p:sp>
+        <p:nvSpPr>
+          <p:cNvPr id="3" name="Content Placeholder 2"/>
+          <p:cNvSpPr>
+            <a:spLocks noGrp="1"/>
+          </p:cNvSpPr>
+          <p:nvPr>
+            <p:ph sz="quarter" idx="1"/>
+          </p:nvPr>
+        </p:nvSpPr>
+        <p:spPr/>
+        <p:txBody>
+          <a:bodyPr/>
+          <a:lstStyle/>
+          <a:p>
+            <a:r>
+              <a:rPr lang="en-US" dirty="0" smtClean="0"/>
+              <a:t>Keys to Binding to a </a:t>
+            </a:r>
+            <a:r>
+              <a:rPr lang="en-US" dirty="0" err="1" smtClean="0"/>
+              <a:t>ListViews</a:t>
+            </a:r>
+            <a:r>
+              <a:rPr lang="en-US" dirty="0" smtClean="0"/>
+              <a:t> Selection</a:t>
+            </a:r>
+          </a:p>
+          <a:p>
+            <a:pPr lvl="1"/>
+            <a:r>
+              <a:rPr lang="en-US" dirty="0" err="1" smtClean="0"/>
+              <a:t>SelectedItem</a:t>
+            </a:r>
+            <a:endParaRPr lang="en-US" dirty="0" smtClean="0"/>
+          </a:p>
+          <a:p>
+            <a:pPr lvl="1"/>
+            <a:r>
+              <a:rPr lang="en-US" dirty="0" smtClean="0"/>
+              <a:t>Property</a:t>
+            </a:r>
+            <a:endParaRPr lang="en-US" dirty="0"/>
+          </a:p>
+        </p:txBody>
+      </p:sp>
+    </p:spTree>
+    <p:extLst>
+      <p:ext uri="{BB962C8B-B14F-4D97-AF65-F5344CB8AC3E}">
+        <p14:creationId xmlns:p14="http://schemas.microsoft.com/office/powerpoint/2010/main" val="771037690"/>
+      </p:ext>
+    </p:extLst>
+  </p:cSld>
+  <p:clrMapOvr>
+    <a:masterClrMapping/>
+  </p:clrMapOvr>
+  <p:timing>
+    <p:tnLst>
+      <p:par>
+        <p:cTn id="1" dur="indefinite" restart="never" nodeType="tmRoot"/>
+      </p:par>
+    </p:tnLst>
+  </p:timing>
+</p:sld>
+</file>
+
+<file path=ppt/slides/slide15.xml><?xml version="1.0" encoding="utf-8"?>
 <p:sld xmlns:a="http://schemas.openxmlformats.org/drawingml/2006/main" xmlns:r="http://schemas.openxmlformats.org/officeDocument/2006/relationships" xmlns:p="http://schemas.openxmlformats.org/presentationml/2006/main">
   <p:cSld>
     <p:spTree>
@@ -8484,6 +9599,13 @@
   <p:clrMapOvr>
     <a:masterClrMapping/>
   </p:clrMapOvr>
+  <p:timing>
+    <p:tnLst>
+      <p:par>
+        <p:cTn id="1" dur="indefinite" restart="never" nodeType="tmRoot"/>
+      </p:par>
+    </p:tnLst>
+  </p:timing>
 </p:sld>
 </file>
 
@@ -8620,6 +9742,13 @@
   <p:clrMapOvr>
     <a:masterClrMapping/>
   </p:clrMapOvr>
+  <p:timing>
+    <p:tnLst>
+      <p:par>
+        <p:cTn id="1" dur="indefinite" restart="never" nodeType="tmRoot"/>
+      </p:par>
+    </p:tnLst>
+  </p:timing>
 </p:sld>
 </file>
 
@@ -8742,6 +9871,13 @@
   <p:clrMapOvr>
     <a:masterClrMapping/>
   </p:clrMapOvr>
+  <p:timing>
+    <p:tnLst>
+      <p:par>
+        <p:cTn id="1" dur="indefinite" restart="never" nodeType="tmRoot"/>
+      </p:par>
+    </p:tnLst>
+  </p:timing>
 </p:sld>
 </file>
 
@@ -8868,6 +10004,13 @@
   <p:clrMapOvr>
     <a:masterClrMapping/>
   </p:clrMapOvr>
+  <p:timing>
+    <p:tnLst>
+      <p:par>
+        <p:cTn id="1" dur="indefinite" restart="never" nodeType="tmRoot"/>
+      </p:par>
+    </p:tnLst>
+  </p:timing>
 </p:sld>
 </file>
 
@@ -9005,6 +10148,13 @@
   <p:clrMapOvr>
     <a:masterClrMapping/>
   </p:clrMapOvr>
+  <p:timing>
+    <p:tnLst>
+      <p:par>
+        <p:cTn id="1" dur="indefinite" restart="never" nodeType="tmRoot"/>
+      </p:par>
+    </p:tnLst>
+  </p:timing>
 </p:sld>
 </file>
 
@@ -9134,6 +10284,13 @@
   <p:clrMapOvr>
     <a:masterClrMapping/>
   </p:clrMapOvr>
+  <p:timing>
+    <p:tnLst>
+      <p:par>
+        <p:cTn id="1" dur="indefinite" restart="never" nodeType="tmRoot"/>
+      </p:par>
+    </p:tnLst>
+  </p:timing>
 </p:sld>
 </file>
 
@@ -9350,6 +10507,13 @@
   <p:clrMapOvr>
     <a:masterClrMapping/>
   </p:clrMapOvr>
+  <p:timing>
+    <p:tnLst>
+      <p:par>
+        <p:cTn id="1" dur="indefinite" restart="never" nodeType="tmRoot"/>
+      </p:par>
+    </p:tnLst>
+  </p:timing>
 </p:sld>
 </file>
 
@@ -9393,6 +10557,70 @@
           </a:p>
         </p:txBody>
       </p:sp>
+      <p:pic>
+        <p:nvPicPr>
+          <p:cNvPr id="1026" name="Picture 2"/>
+          <p:cNvPicPr>
+            <a:picLocks noChangeAspect="1" noChangeArrowheads="1"/>
+          </p:cNvPicPr>
+          <p:nvPr/>
+        </p:nvPicPr>
+        <p:blipFill>
+          <a:blip r:embed="rId3">
+            <a:extLst>
+              <a:ext uri="{28A0092B-C50C-407E-A947-70E740481C1C}">
+                <a14:useLocalDpi xmlns:a14="http://schemas.microsoft.com/office/drawing/2010/main" val="0"/>
+              </a:ext>
+            </a:extLst>
+          </a:blip>
+          <a:srcRect/>
+          <a:stretch>
+            <a:fillRect/>
+          </a:stretch>
+        </p:blipFill>
+        <p:spPr bwMode="auto">
+          <a:xfrm>
+            <a:off x="2590800" y="1219200"/>
+            <a:ext cx="3352800" cy="5071564"/>
+          </a:xfrm>
+          <a:prstGeom prst="rect">
+            <a:avLst/>
+          </a:prstGeom>
+          <a:noFill/>
+          <a:ln>
+            <a:noFill/>
+          </a:ln>
+          <a:effectLst/>
+          <a:extLst>
+            <a:ext uri="{909E8E84-426E-40DD-AFC4-6F175D3DCCD1}">
+              <a14:hiddenFill xmlns:a14="http://schemas.microsoft.com/office/drawing/2010/main">
+                <a:solidFill>
+                  <a:schemeClr val="accent1"/>
+                </a:solidFill>
+              </a14:hiddenFill>
+            </a:ext>
+            <a:ext uri="{91240B29-F687-4F45-9708-019B960494DF}">
+              <a14:hiddenLine xmlns:a14="http://schemas.microsoft.com/office/drawing/2010/main" w="9525">
+                <a:solidFill>
+                  <a:schemeClr val="tx1"/>
+                </a:solidFill>
+                <a:miter lim="800000"/>
+                <a:headEnd/>
+                <a:tailEnd/>
+              </a14:hiddenLine>
+            </a:ext>
+            <a:ext uri="{AF507438-7753-43E0-B8FC-AC1667EBCBE1}">
+              <a14:hiddenEffects xmlns:a14="http://schemas.microsoft.com/office/drawing/2010/main">
+                <a:effectLst>
+                  <a:outerShdw dist="35921" dir="2700000" algn="ctr" rotWithShape="0">
+                    <a:schemeClr val="bg2"/>
+                  </a:outerShdw>
+                </a:effectLst>
+              </a14:hiddenEffects>
+            </a:ext>
+          </a:extLst>
+        </p:spPr>
+      </p:pic>
     </p:spTree>
     <p:extLst>
       <p:ext uri="{BB962C8B-B14F-4D97-AF65-F5344CB8AC3E}">
@@ -9403,6 +10631,13 @@
   <p:clrMapOvr>
     <a:masterClrMapping/>
   </p:clrMapOvr>
+  <p:timing>
+    <p:tnLst>
+      <p:par>
+        <p:cTn id="1" dur="indefinite" restart="never" nodeType="tmRoot"/>
+      </p:par>
+    </p:tnLst>
+  </p:timing>
 </p:sld>
 </file>
 

--- a/MVVM.pptx
+++ b/MVVM.pptx
@@ -5,7 +5,7 @@
     <p:sldMasterId id="2147483672" r:id="rId1"/>
   </p:sldMasterIdLst>
   <p:notesMasterIdLst>
-    <p:notesMasterId r:id="rId17"/>
+    <p:notesMasterId r:id="rId22"/>
   </p:notesMasterIdLst>
   <p:sldIdLst>
     <p:sldId id="256" r:id="rId2"/>
@@ -22,7 +22,12 @@
     <p:sldId id="266" r:id="rId13"/>
     <p:sldId id="269" r:id="rId14"/>
     <p:sldId id="270" r:id="rId15"/>
-    <p:sldId id="265" r:id="rId16"/>
+    <p:sldId id="272" r:id="rId16"/>
+    <p:sldId id="273" r:id="rId17"/>
+    <p:sldId id="274" r:id="rId18"/>
+    <p:sldId id="265" r:id="rId19"/>
+    <p:sldId id="271" r:id="rId20"/>
+    <p:sldId id="275" r:id="rId21"/>
   </p:sldIdLst>
   <p:sldSz cx="9144000" cy="6858000" type="screen4x3"/>
   <p:notesSz cx="6858000" cy="9144000"/>
@@ -206,7 +211,8 @@
           <a:p>
             <a:fld id="{2BCA573E-9D9D-49D4-A0A3-9F0A781D289B}" type="datetimeFigureOut">
               <a:rPr lang="en-US" smtClean="0"/>
-              <a:t>12/15/2010</a:t>
+              <a:pPr/>
+              <a:t>12/16/2010</a:t>
             </a:fld>
             <a:endParaRPr lang="en-US"/>
           </a:p>
@@ -365,6 +371,7 @@
           <a:p>
             <a:fld id="{68ED3DE7-32A2-41A5-BF3A-1FBCBDED6984}" type="slidenum">
               <a:rPr lang="en-US" smtClean="0"/>
+              <a:pPr/>
               <a:t>‹#›</a:t>
             </a:fld>
             <a:endParaRPr lang="en-US"/>
@@ -374,7 +381,7 @@
     </p:spTree>
     <p:extLst>
       <p:ext uri="{BB962C8B-B14F-4D97-AF65-F5344CB8AC3E}">
-        <p14:creationId xmlns:p14="http://schemas.microsoft.com/office/powerpoint/2010/main" val="3340614087"/>
+        <p14:creationId xmlns:p14="http://schemas.microsoft.com/office/powerpoint/2010/main" xmlns="" val="3340614087"/>
       </p:ext>
     </p:extLst>
   </p:cSld>
@@ -543,6 +550,7 @@
           <a:p>
             <a:fld id="{68ED3DE7-32A2-41A5-BF3A-1FBCBDED6984}" type="slidenum">
               <a:rPr lang="en-US" smtClean="0"/>
+              <a:pPr/>
               <a:t>9</a:t>
             </a:fld>
             <a:endParaRPr lang="en-US"/>
@@ -552,7 +560,7 @@
     </p:spTree>
     <p:extLst>
       <p:ext uri="{BB962C8B-B14F-4D97-AF65-F5344CB8AC3E}">
-        <p14:creationId xmlns:p14="http://schemas.microsoft.com/office/powerpoint/2010/main" val="2284819098"/>
+        <p14:creationId xmlns:p14="http://schemas.microsoft.com/office/powerpoint/2010/main" xmlns="" val="2284819098"/>
       </p:ext>
     </p:extLst>
   </p:cSld>
@@ -635,6 +643,7 @@
           <a:p>
             <a:fld id="{68ED3DE7-32A2-41A5-BF3A-1FBCBDED6984}" type="slidenum">
               <a:rPr lang="en-US" smtClean="0"/>
+              <a:pPr/>
               <a:t>10</a:t>
             </a:fld>
             <a:endParaRPr lang="en-US"/>
@@ -644,7 +653,7 @@
     </p:spTree>
     <p:extLst>
       <p:ext uri="{BB962C8B-B14F-4D97-AF65-F5344CB8AC3E}">
-        <p14:creationId xmlns:p14="http://schemas.microsoft.com/office/powerpoint/2010/main" val="2752357698"/>
+        <p14:creationId xmlns:p14="http://schemas.microsoft.com/office/powerpoint/2010/main" xmlns="" val="2752357698"/>
       </p:ext>
     </p:extLst>
   </p:cSld>
@@ -727,6 +736,7 @@
           <a:p>
             <a:fld id="{68ED3DE7-32A2-41A5-BF3A-1FBCBDED6984}" type="slidenum">
               <a:rPr lang="en-US" smtClean="0"/>
+              <a:pPr/>
               <a:t>12</a:t>
             </a:fld>
             <a:endParaRPr lang="en-US"/>
@@ -736,7 +746,7 @@
     </p:spTree>
     <p:extLst>
       <p:ext uri="{BB962C8B-B14F-4D97-AF65-F5344CB8AC3E}">
-        <p14:creationId xmlns:p14="http://schemas.microsoft.com/office/powerpoint/2010/main" val="2965724172"/>
+        <p14:creationId xmlns:p14="http://schemas.microsoft.com/office/powerpoint/2010/main" xmlns="" val="2965724172"/>
       </p:ext>
     </p:extLst>
   </p:cSld>
@@ -889,7 +899,8 @@
           <a:p>
             <a:fld id="{69D25C9A-DB58-4404-8B57-4992D256C130}" type="datetimeFigureOut">
               <a:rPr lang="en-US" smtClean="0"/>
-              <a:t>12/15/2010</a:t>
+              <a:pPr/>
+              <a:t>12/16/2010</a:t>
             </a:fld>
             <a:endParaRPr lang="en-US"/>
           </a:p>
@@ -941,6 +952,7 @@
           <a:p>
             <a:fld id="{6011D6E8-EAB4-4CA4-B898-AC5DB1B653E7}" type="slidenum">
               <a:rPr lang="en-US" smtClean="0"/>
+              <a:pPr/>
               <a:t>‹#›</a:t>
             </a:fld>
             <a:endParaRPr lang="en-US"/>
@@ -1248,7 +1260,8 @@
           <a:p>
             <a:fld id="{69D25C9A-DB58-4404-8B57-4992D256C130}" type="datetimeFigureOut">
               <a:rPr lang="en-US" smtClean="0"/>
-              <a:t>12/15/2010</a:t>
+              <a:pPr/>
+              <a:t>12/16/2010</a:t>
             </a:fld>
             <a:endParaRPr lang="en-US"/>
           </a:p>
@@ -1290,6 +1303,7 @@
           <a:p>
             <a:fld id="{6011D6E8-EAB4-4CA4-B898-AC5DB1B653E7}" type="slidenum">
               <a:rPr lang="en-US" smtClean="0"/>
+              <a:pPr/>
               <a:t>‹#›</a:t>
             </a:fld>
             <a:endParaRPr lang="en-US"/>
@@ -1423,7 +1437,8 @@
           <a:p>
             <a:fld id="{69D25C9A-DB58-4404-8B57-4992D256C130}" type="datetimeFigureOut">
               <a:rPr lang="en-US" smtClean="0"/>
-              <a:t>12/15/2010</a:t>
+              <a:pPr/>
+              <a:t>12/16/2010</a:t>
             </a:fld>
             <a:endParaRPr lang="en-US"/>
           </a:p>
@@ -1465,6 +1480,7 @@
           <a:p>
             <a:fld id="{6011D6E8-EAB4-4CA4-B898-AC5DB1B653E7}" type="slidenum">
               <a:rPr lang="en-US" smtClean="0"/>
+              <a:pPr/>
               <a:t>‹#›</a:t>
             </a:fld>
             <a:endParaRPr lang="en-US"/>
@@ -1658,7 +1674,8 @@
           <a:p>
             <a:fld id="{69D25C9A-DB58-4404-8B57-4992D256C130}" type="datetimeFigureOut">
               <a:rPr lang="en-US" smtClean="0"/>
-              <a:t>12/15/2010</a:t>
+              <a:pPr/>
+              <a:t>12/16/2010</a:t>
             </a:fld>
             <a:endParaRPr lang="en-US"/>
           </a:p>
@@ -1700,6 +1717,7 @@
           <a:p>
             <a:fld id="{6011D6E8-EAB4-4CA4-B898-AC5DB1B653E7}" type="slidenum">
               <a:rPr lang="en-US" smtClean="0"/>
+              <a:pPr/>
               <a:t>‹#›</a:t>
             </a:fld>
             <a:endParaRPr lang="en-US"/>
@@ -1927,7 +1945,8 @@
           <a:p>
             <a:fld id="{69D25C9A-DB58-4404-8B57-4992D256C130}" type="datetimeFigureOut">
               <a:rPr lang="en-US" smtClean="0"/>
-              <a:t>12/15/2010</a:t>
+              <a:pPr/>
+              <a:t>12/16/2010</a:t>
             </a:fld>
             <a:endParaRPr lang="en-US"/>
           </a:p>
@@ -1979,6 +1998,7 @@
           <a:p>
             <a:fld id="{6011D6E8-EAB4-4CA4-B898-AC5DB1B653E7}" type="slidenum">
               <a:rPr lang="en-US" smtClean="0"/>
+              <a:pPr/>
               <a:t>‹#›</a:t>
             </a:fld>
             <a:endParaRPr lang="en-US"/>
@@ -2147,7 +2167,8 @@
           <a:p>
             <a:fld id="{69D25C9A-DB58-4404-8B57-4992D256C130}" type="datetimeFigureOut">
               <a:rPr lang="en-US" smtClean="0"/>
-              <a:t>12/15/2010</a:t>
+              <a:pPr/>
+              <a:t>12/16/2010</a:t>
             </a:fld>
             <a:endParaRPr lang="en-US"/>
           </a:p>
@@ -2189,6 +2210,7 @@
           <a:p>
             <a:fld id="{6011D6E8-EAB4-4CA4-B898-AC5DB1B653E7}" type="slidenum">
               <a:rPr lang="en-US" smtClean="0"/>
+              <a:pPr/>
               <a:t>‹#›</a:t>
             </a:fld>
             <a:endParaRPr lang="en-US"/>
@@ -2499,7 +2521,8 @@
           <a:p>
             <a:fld id="{69D25C9A-DB58-4404-8B57-4992D256C130}" type="datetimeFigureOut">
               <a:rPr lang="en-US" smtClean="0"/>
-              <a:t>12/15/2010</a:t>
+              <a:pPr/>
+              <a:t>12/16/2010</a:t>
             </a:fld>
             <a:endParaRPr lang="en-US"/>
           </a:p>
@@ -2541,6 +2564,7 @@
           <a:p>
             <a:fld id="{6011D6E8-EAB4-4CA4-B898-AC5DB1B653E7}" type="slidenum">
               <a:rPr lang="en-US" smtClean="0"/>
+              <a:pPr/>
               <a:t>‹#›</a:t>
             </a:fld>
             <a:endParaRPr lang="en-US"/>
@@ -2731,7 +2755,8 @@
           <a:p>
             <a:fld id="{69D25C9A-DB58-4404-8B57-4992D256C130}" type="datetimeFigureOut">
               <a:rPr lang="en-US" smtClean="0"/>
-              <a:t>12/15/2010</a:t>
+              <a:pPr/>
+              <a:t>12/16/2010</a:t>
             </a:fld>
             <a:endParaRPr lang="en-US"/>
           </a:p>
@@ -2773,6 +2798,7 @@
           <a:p>
             <a:fld id="{6011D6E8-EAB4-4CA4-B898-AC5DB1B653E7}" type="slidenum">
               <a:rPr lang="en-US" smtClean="0"/>
+              <a:pPr/>
               <a:t>‹#›</a:t>
             </a:fld>
             <a:endParaRPr lang="en-US"/>
@@ -2871,7 +2897,8 @@
           <a:p>
             <a:fld id="{69D25C9A-DB58-4404-8B57-4992D256C130}" type="datetimeFigureOut">
               <a:rPr lang="en-US" smtClean="0"/>
-              <a:t>12/15/2010</a:t>
+              <a:pPr/>
+              <a:t>12/16/2010</a:t>
             </a:fld>
             <a:endParaRPr lang="en-US"/>
           </a:p>
@@ -2913,6 +2940,7 @@
           <a:p>
             <a:fld id="{6011D6E8-EAB4-4CA4-B898-AC5DB1B653E7}" type="slidenum">
               <a:rPr lang="en-US" smtClean="0"/>
+              <a:pPr/>
               <a:t>‹#›</a:t>
             </a:fld>
             <a:endParaRPr lang="en-US"/>
@@ -3148,7 +3176,8 @@
           <a:p>
             <a:fld id="{69D25C9A-DB58-4404-8B57-4992D256C130}" type="datetimeFigureOut">
               <a:rPr lang="en-US" smtClean="0"/>
-              <a:t>12/15/2010</a:t>
+              <a:pPr/>
+              <a:t>12/16/2010</a:t>
             </a:fld>
             <a:endParaRPr lang="en-US"/>
           </a:p>
@@ -3190,6 +3219,7 @@
           <a:p>
             <a:fld id="{6011D6E8-EAB4-4CA4-B898-AC5DB1B653E7}" type="slidenum">
               <a:rPr lang="en-US" smtClean="0"/>
+              <a:pPr/>
               <a:t>‹#›</a:t>
             </a:fld>
             <a:endParaRPr lang="en-US"/>
@@ -3555,7 +3585,8 @@
           <a:p>
             <a:fld id="{69D25C9A-DB58-4404-8B57-4992D256C130}" type="datetimeFigureOut">
               <a:rPr lang="en-US" smtClean="0"/>
-              <a:t>12/15/2010</a:t>
+              <a:pPr/>
+              <a:t>12/16/2010</a:t>
             </a:fld>
             <a:endParaRPr lang="en-US"/>
           </a:p>
@@ -3597,6 +3628,7 @@
           <a:p>
             <a:fld id="{6011D6E8-EAB4-4CA4-B898-AC5DB1B653E7}" type="slidenum">
               <a:rPr lang="en-US" smtClean="0"/>
+              <a:pPr/>
               <a:t>‹#›</a:t>
             </a:fld>
             <a:endParaRPr lang="en-US"/>
@@ -3893,7 +3925,8 @@
           <a:p>
             <a:fld id="{69D25C9A-DB58-4404-8B57-4992D256C130}" type="datetimeFigureOut">
               <a:rPr lang="en-US" smtClean="0"/>
-              <a:t>12/15/2010</a:t>
+              <a:pPr/>
+              <a:t>12/16/2010</a:t>
             </a:fld>
             <a:endParaRPr lang="en-US"/>
           </a:p>
@@ -3967,6 +4000,7 @@
           <a:p>
             <a:fld id="{6011D6E8-EAB4-4CA4-B898-AC5DB1B653E7}" type="slidenum">
               <a:rPr lang="en-US" smtClean="0"/>
+              <a:pPr/>
               <a:t>‹#›</a:t>
             </a:fld>
             <a:endParaRPr lang="en-US"/>
@@ -4472,7 +4506,11 @@
           <a:p>
             <a:r>
               <a:rPr lang="en-US" dirty="0" smtClean="0"/>
-              <a:t>Designing Testable UIs</a:t>
+              <a:t>Designing </a:t>
+            </a:r>
+            <a:r>
+              <a:rPr lang="en-US" dirty="0" smtClean="0"/>
+              <a:t>SOLID UIs</a:t>
             </a:r>
             <a:endParaRPr lang="en-US" dirty="0"/>
           </a:p>
@@ -4481,13 +4519,20 @@
     </p:spTree>
     <p:extLst>
       <p:ext uri="{BB962C8B-B14F-4D97-AF65-F5344CB8AC3E}">
-        <p14:creationId xmlns:p14="http://schemas.microsoft.com/office/powerpoint/2010/main" val="1895151451"/>
+        <p14:creationId xmlns:p14="http://schemas.microsoft.com/office/powerpoint/2010/main" xmlns="" val="1895151451"/>
       </p:ext>
     </p:extLst>
   </p:cSld>
   <p:clrMapOvr>
     <a:masterClrMapping/>
   </p:clrMapOvr>
+  <p:timing>
+    <p:tnLst>
+      <p:par>
+        <p:cTn id="1" dur="indefinite" restart="never" nodeType="tmRoot"/>
+      </p:par>
+    </p:tnLst>
+  </p:timing>
 </p:sld>
 </file>
 
@@ -4949,7 +4994,7 @@
     </p:spTree>
     <p:extLst>
       <p:ext uri="{BB962C8B-B14F-4D97-AF65-F5344CB8AC3E}">
-        <p14:creationId xmlns:p14="http://schemas.microsoft.com/office/powerpoint/2010/main" val="3369849645"/>
+        <p14:creationId xmlns:p14="http://schemas.microsoft.com/office/powerpoint/2010/main" xmlns="" val="3369849645"/>
       </p:ext>
     </p:extLst>
   </p:cSld>
@@ -5940,7 +5985,7 @@
     </p:spTree>
     <p:extLst>
       <p:ext uri="{BB962C8B-B14F-4D97-AF65-F5344CB8AC3E}">
-        <p14:creationId xmlns:p14="http://schemas.microsoft.com/office/powerpoint/2010/main" val="2450219020"/>
+        <p14:creationId xmlns:p14="http://schemas.microsoft.com/office/powerpoint/2010/main" xmlns="" val="2450219020"/>
       </p:ext>
     </p:extLst>
   </p:cSld>
@@ -6816,7 +6861,7 @@
     </p:spTree>
     <p:extLst>
       <p:ext uri="{BB962C8B-B14F-4D97-AF65-F5344CB8AC3E}">
-        <p14:creationId xmlns:p14="http://schemas.microsoft.com/office/powerpoint/2010/main" val="1936675590"/>
+        <p14:creationId xmlns:p14="http://schemas.microsoft.com/office/powerpoint/2010/main" xmlns="" val="1936675590"/>
       </p:ext>
     </p:extLst>
   </p:cSld>
@@ -6944,7 +6989,7 @@
     </p:spTree>
     <p:extLst>
       <p:ext uri="{BB962C8B-B14F-4D97-AF65-F5344CB8AC3E}">
-        <p14:creationId xmlns:p14="http://schemas.microsoft.com/office/powerpoint/2010/main" val="3275806376"/>
+        <p14:creationId xmlns:p14="http://schemas.microsoft.com/office/powerpoint/2010/main" xmlns="" val="3275806376"/>
       </p:ext>
     </p:extLst>
   </p:cSld>
@@ -7050,7 +7095,7 @@
     </p:spTree>
     <p:extLst>
       <p:ext uri="{BB962C8B-B14F-4D97-AF65-F5344CB8AC3E}">
-        <p14:creationId xmlns:p14="http://schemas.microsoft.com/office/powerpoint/2010/main" val="771037690"/>
+        <p14:creationId xmlns:p14="http://schemas.microsoft.com/office/powerpoint/2010/main" xmlns="" val="771037690"/>
       </p:ext>
     </p:extLst>
   </p:cSld>
@@ -7068,6 +7113,1146 @@
 </file>
 
 <file path=ppt/slides/slide15.xml><?xml version="1.0" encoding="utf-8"?>
+<p:sld xmlns:a="http://schemas.openxmlformats.org/drawingml/2006/main" xmlns:r="http://schemas.openxmlformats.org/officeDocument/2006/relationships" xmlns:p="http://schemas.openxmlformats.org/presentationml/2006/main">
+  <p:cSld>
+    <p:spTree>
+      <p:nvGrpSpPr>
+        <p:cNvPr id="1" name=""/>
+        <p:cNvGrpSpPr/>
+        <p:nvPr/>
+      </p:nvGrpSpPr>
+      <p:grpSpPr>
+        <a:xfrm>
+          <a:off x="0" y="0"/>
+          <a:ext cx="0" cy="0"/>
+          <a:chOff x="0" y="0"/>
+          <a:chExt cx="0" cy="0"/>
+        </a:xfrm>
+      </p:grpSpPr>
+      <p:sp>
+        <p:nvSpPr>
+          <p:cNvPr id="2" name="Title 1"/>
+          <p:cNvSpPr>
+            <a:spLocks noGrp="1"/>
+          </p:cNvSpPr>
+          <p:nvPr>
+            <p:ph type="title"/>
+          </p:nvPr>
+        </p:nvSpPr>
+        <p:spPr/>
+        <p:txBody>
+          <a:bodyPr/>
+          <a:lstStyle/>
+          <a:p>
+            <a:r>
+              <a:rPr lang="en-US" dirty="0" smtClean="0"/>
+              <a:t>Binding to a Command</a:t>
+            </a:r>
+            <a:endParaRPr lang="en-US" dirty="0"/>
+          </a:p>
+        </p:txBody>
+      </p:sp>
+      <p:sp>
+        <p:nvSpPr>
+          <p:cNvPr id="3" name="Content Placeholder 2"/>
+          <p:cNvSpPr>
+            <a:spLocks noGrp="1"/>
+          </p:cNvSpPr>
+          <p:nvPr>
+            <p:ph sz="quarter" idx="1"/>
+          </p:nvPr>
+        </p:nvSpPr>
+        <p:spPr/>
+        <p:txBody>
+          <a:bodyPr/>
+          <a:lstStyle/>
+          <a:p>
+            <a:r>
+              <a:rPr lang="en-US" dirty="0" smtClean="0"/>
+              <a:t>Keys to Binding to an Event</a:t>
+            </a:r>
+          </a:p>
+          <a:p>
+            <a:pPr lvl="1"/>
+            <a:r>
+              <a:rPr lang="en-US" dirty="0" err="1" smtClean="0"/>
+              <a:t>ICommand</a:t>
+            </a:r>
+            <a:endParaRPr lang="en-US" dirty="0" smtClean="0"/>
+          </a:p>
+          <a:p>
+            <a:pPr lvl="1"/>
+            <a:r>
+              <a:rPr lang="en-US" dirty="0" err="1" smtClean="0"/>
+              <a:t>RelayCommand</a:t>
+            </a:r>
+            <a:r>
+              <a:rPr lang="en-US" dirty="0" smtClean="0"/>
+              <a:t>&lt;T&gt; or </a:t>
+            </a:r>
+            <a:r>
+              <a:rPr lang="en-US" dirty="0" err="1" smtClean="0"/>
+              <a:t>DelegateCommand</a:t>
+            </a:r>
+            <a:r>
+              <a:rPr lang="en-US" dirty="0" smtClean="0"/>
+              <a:t>&lt;T&gt;</a:t>
+            </a:r>
+          </a:p>
+          <a:p>
+            <a:pPr lvl="1"/>
+            <a:r>
+              <a:rPr lang="en-US" dirty="0" smtClean="0"/>
+              <a:t>Two Delegates</a:t>
+            </a:r>
+          </a:p>
+          <a:p>
+            <a:pPr lvl="2"/>
+            <a:r>
+              <a:rPr lang="en-US" dirty="0" err="1" smtClean="0"/>
+              <a:t>DoAction</a:t>
+            </a:r>
+            <a:endParaRPr lang="en-US" dirty="0" smtClean="0"/>
+          </a:p>
+          <a:p>
+            <a:pPr lvl="2"/>
+            <a:r>
+              <a:rPr lang="en-US" dirty="0" err="1" smtClean="0"/>
+              <a:t>CanDoAction</a:t>
+            </a:r>
+            <a:endParaRPr lang="en-US" dirty="0"/>
+          </a:p>
+        </p:txBody>
+      </p:sp>
+    </p:spTree>
+  </p:cSld>
+  <p:clrMapOvr>
+    <a:masterClrMapping/>
+  </p:clrMapOvr>
+</p:sld>
+</file>
+
+<file path=ppt/slides/slide16.xml><?xml version="1.0" encoding="utf-8"?>
+<p:sld xmlns:a="http://schemas.openxmlformats.org/drawingml/2006/main" xmlns:r="http://schemas.openxmlformats.org/officeDocument/2006/relationships" xmlns:p="http://schemas.openxmlformats.org/presentationml/2006/main">
+  <p:cSld>
+    <p:spTree>
+      <p:nvGrpSpPr>
+        <p:cNvPr id="1" name=""/>
+        <p:cNvGrpSpPr/>
+        <p:nvPr/>
+      </p:nvGrpSpPr>
+      <p:grpSpPr>
+        <a:xfrm>
+          <a:off x="0" y="0"/>
+          <a:ext cx="0" cy="0"/>
+          <a:chOff x="0" y="0"/>
+          <a:chExt cx="0" cy="0"/>
+        </a:xfrm>
+      </p:grpSpPr>
+      <p:sp>
+        <p:nvSpPr>
+          <p:cNvPr id="2" name="Title 1"/>
+          <p:cNvSpPr>
+            <a:spLocks noGrp="1"/>
+          </p:cNvSpPr>
+          <p:nvPr>
+            <p:ph type="title"/>
+          </p:nvPr>
+        </p:nvSpPr>
+        <p:spPr/>
+        <p:txBody>
+          <a:bodyPr/>
+          <a:lstStyle/>
+          <a:p>
+            <a:r>
+              <a:rPr lang="en-US" dirty="0" smtClean="0"/>
+              <a:t>Binding to an Event</a:t>
+            </a:r>
+            <a:endParaRPr lang="en-US" dirty="0"/>
+          </a:p>
+        </p:txBody>
+      </p:sp>
+      <p:sp>
+        <p:nvSpPr>
+          <p:cNvPr id="3" name="Content Placeholder 2"/>
+          <p:cNvSpPr>
+            <a:spLocks noGrp="1"/>
+          </p:cNvSpPr>
+          <p:nvPr>
+            <p:ph sz="quarter" idx="1"/>
+          </p:nvPr>
+        </p:nvSpPr>
+        <p:spPr/>
+        <p:txBody>
+          <a:bodyPr/>
+          <a:lstStyle/>
+          <a:p>
+            <a:r>
+              <a:rPr lang="en-US" dirty="0" smtClean="0"/>
+              <a:t>Keys to binding to an Event</a:t>
+            </a:r>
+          </a:p>
+          <a:p>
+            <a:pPr lvl="1"/>
+            <a:r>
+              <a:rPr lang="en-US" dirty="0" smtClean="0"/>
+              <a:t>Attached Property</a:t>
+            </a:r>
+          </a:p>
+          <a:p>
+            <a:pPr lvl="2"/>
+            <a:r>
+              <a:rPr lang="en-US" dirty="0" err="1" smtClean="0"/>
+              <a:t>System.Windows.Interactivity</a:t>
+            </a:r>
+            <a:endParaRPr lang="en-US" dirty="0" smtClean="0"/>
+          </a:p>
+          <a:p>
+            <a:pPr>
+              <a:buNone/>
+            </a:pPr>
+            <a:r>
+              <a:rPr lang="en-US" sz="1600" dirty="0" smtClean="0">
+                <a:solidFill>
+                  <a:srgbClr val="0000FF"/>
+                </a:solidFill>
+              </a:rPr>
+              <a:t>     </a:t>
+            </a:r>
+            <a:r>
+              <a:rPr lang="en-US" sz="2000" dirty="0" smtClean="0">
+                <a:solidFill>
+                  <a:srgbClr val="0000FF"/>
+                </a:solidFill>
+              </a:rPr>
+              <a:t>&lt;</a:t>
+            </a:r>
+            <a:r>
+              <a:rPr lang="en-US" sz="2000" dirty="0" err="1" smtClean="0">
+                <a:solidFill>
+                  <a:srgbClr val="A31515"/>
+                </a:solidFill>
+              </a:rPr>
+              <a:t>Interactivity</a:t>
+            </a:r>
+            <a:r>
+              <a:rPr lang="en-US" sz="2000" dirty="0" err="1" smtClean="0">
+                <a:solidFill>
+                  <a:srgbClr val="0000FF"/>
+                </a:solidFill>
+              </a:rPr>
+              <a:t>:</a:t>
+            </a:r>
+            <a:r>
+              <a:rPr lang="en-US" sz="2000" dirty="0" err="1" smtClean="0">
+                <a:solidFill>
+                  <a:srgbClr val="A31515"/>
+                </a:solidFill>
+              </a:rPr>
+              <a:t>Interaction.Triggers</a:t>
+            </a:r>
+            <a:r>
+              <a:rPr lang="en-US" sz="2000" dirty="0" smtClean="0">
+                <a:solidFill>
+                  <a:srgbClr val="0000FF"/>
+                </a:solidFill>
+              </a:rPr>
+              <a:t>&gt;</a:t>
+            </a:r>
+            <a:r>
+              <a:rPr lang="en-US" sz="2000" dirty="0" smtClean="0">
+                <a:solidFill>
+                  <a:srgbClr val="A31515"/>
+                </a:solidFill>
+              </a:rPr>
+              <a:t> </a:t>
+            </a:r>
+            <a:r>
+              <a:rPr lang="en-US" sz="2000" dirty="0" smtClean="0">
+                <a:solidFill>
+                  <a:srgbClr val="A31515"/>
+                </a:solidFill>
+              </a:rPr>
+              <a:t/>
+            </a:r>
+            <a:br>
+              <a:rPr lang="en-US" sz="2000" dirty="0" smtClean="0">
+                <a:solidFill>
+                  <a:srgbClr val="A31515"/>
+                </a:solidFill>
+              </a:rPr>
+            </a:br>
+            <a:r>
+              <a:rPr lang="en-US" sz="2000" dirty="0" smtClean="0">
+                <a:solidFill>
+                  <a:srgbClr val="A31515"/>
+                </a:solidFill>
+              </a:rPr>
+              <a:t>    </a:t>
+            </a:r>
+            <a:r>
+              <a:rPr lang="en-US" sz="2000" dirty="0" smtClean="0">
+                <a:solidFill>
+                  <a:srgbClr val="0000FF"/>
+                </a:solidFill>
+              </a:rPr>
+              <a:t>&lt;</a:t>
+            </a:r>
+            <a:r>
+              <a:rPr lang="en-US" sz="2000" dirty="0" err="1" smtClean="0">
+                <a:solidFill>
+                  <a:srgbClr val="A31515"/>
+                </a:solidFill>
+              </a:rPr>
+              <a:t>Interactivity</a:t>
+            </a:r>
+            <a:r>
+              <a:rPr lang="en-US" sz="2000" dirty="0" err="1" smtClean="0">
+                <a:solidFill>
+                  <a:srgbClr val="0000FF"/>
+                </a:solidFill>
+              </a:rPr>
+              <a:t>:</a:t>
+            </a:r>
+            <a:r>
+              <a:rPr lang="en-US" sz="2000" dirty="0" err="1" smtClean="0">
+                <a:solidFill>
+                  <a:srgbClr val="A31515"/>
+                </a:solidFill>
+              </a:rPr>
+              <a:t>EventTrigger</a:t>
+            </a:r>
+            <a:r>
+              <a:rPr lang="en-US" sz="2000" dirty="0" smtClean="0">
+                <a:solidFill>
+                  <a:srgbClr val="FF0000"/>
+                </a:solidFill>
+              </a:rPr>
+              <a:t> </a:t>
+            </a:r>
+            <a:r>
+              <a:rPr lang="en-US" sz="2000" dirty="0" err="1" smtClean="0">
+                <a:solidFill>
+                  <a:srgbClr val="FF0000"/>
+                </a:solidFill>
+              </a:rPr>
+              <a:t>EventName</a:t>
+            </a:r>
+            <a:r>
+              <a:rPr lang="en-US" sz="2000" dirty="0" smtClean="0">
+                <a:solidFill>
+                  <a:srgbClr val="0000FF"/>
+                </a:solidFill>
+              </a:rPr>
+              <a:t>="</a:t>
+            </a:r>
+            <a:r>
+              <a:rPr lang="en-US" sz="2000" dirty="0" err="1" smtClean="0">
+                <a:solidFill>
+                  <a:srgbClr val="0000FF"/>
+                </a:solidFill>
+              </a:rPr>
+              <a:t>SelectionChanged</a:t>
+            </a:r>
+            <a:r>
+              <a:rPr lang="en-US" sz="2000" dirty="0" smtClean="0">
+                <a:solidFill>
+                  <a:srgbClr val="0000FF"/>
+                </a:solidFill>
+              </a:rPr>
+              <a:t>"&gt;</a:t>
+            </a:r>
+            <a:r>
+              <a:rPr lang="en-US" sz="2000" dirty="0" smtClean="0"/>
+              <a:t/>
+            </a:r>
+            <a:br>
+              <a:rPr lang="en-US" sz="2000" dirty="0" smtClean="0"/>
+            </a:br>
+            <a:r>
+              <a:rPr lang="en-US" sz="2000" dirty="0" smtClean="0">
+                <a:solidFill>
+                  <a:srgbClr val="A31515"/>
+                </a:solidFill>
+              </a:rPr>
+              <a:t>    </a:t>
+            </a:r>
+            <a:r>
+              <a:rPr lang="en-US" sz="2000" dirty="0" smtClean="0">
+                <a:solidFill>
+                  <a:srgbClr val="A31515"/>
+                </a:solidFill>
+              </a:rPr>
+              <a:t>    </a:t>
+            </a:r>
+            <a:r>
+              <a:rPr lang="en-US" sz="2000" dirty="0" smtClean="0">
+                <a:solidFill>
+                  <a:srgbClr val="0000FF"/>
+                </a:solidFill>
+              </a:rPr>
+              <a:t>&lt;</a:t>
+            </a:r>
+            <a:r>
+              <a:rPr lang="en-US" sz="2000" dirty="0" err="1" smtClean="0">
+                <a:solidFill>
+                  <a:srgbClr val="A31515"/>
+                </a:solidFill>
+              </a:rPr>
+              <a:t>Command</a:t>
+            </a:r>
+            <a:r>
+              <a:rPr lang="en-US" sz="2000" dirty="0" err="1" smtClean="0">
+                <a:solidFill>
+                  <a:srgbClr val="0000FF"/>
+                </a:solidFill>
+              </a:rPr>
+              <a:t>:</a:t>
+            </a:r>
+            <a:r>
+              <a:rPr lang="en-US" sz="2000" dirty="0" err="1" smtClean="0">
+                <a:solidFill>
+                  <a:srgbClr val="A31515"/>
+                </a:solidFill>
+              </a:rPr>
+              <a:t>EventToCommand</a:t>
+            </a:r>
+            <a:r>
+              <a:rPr lang="en-US" sz="2000" dirty="0" smtClean="0">
+                <a:solidFill>
+                  <a:srgbClr val="FF0000"/>
+                </a:solidFill>
+              </a:rPr>
+              <a:t> </a:t>
+            </a:r>
+            <a:r>
+              <a:rPr lang="en-US" sz="2000" dirty="0" smtClean="0">
+                <a:solidFill>
+                  <a:srgbClr val="FF0000"/>
+                </a:solidFill>
+              </a:rPr>
+              <a:t/>
+            </a:r>
+            <a:br>
+              <a:rPr lang="en-US" sz="2000" dirty="0" smtClean="0">
+                <a:solidFill>
+                  <a:srgbClr val="FF0000"/>
+                </a:solidFill>
+              </a:rPr>
+            </a:br>
+            <a:r>
+              <a:rPr lang="en-US" sz="2000" dirty="0" smtClean="0">
+                <a:solidFill>
+                  <a:srgbClr val="FF0000"/>
+                </a:solidFill>
+              </a:rPr>
+              <a:t>                     Command</a:t>
+            </a:r>
+            <a:r>
+              <a:rPr lang="en-US" sz="2000" dirty="0" smtClean="0">
+                <a:solidFill>
+                  <a:srgbClr val="0000FF"/>
+                </a:solidFill>
+              </a:rPr>
+              <a:t>="{</a:t>
+            </a:r>
+            <a:r>
+              <a:rPr lang="en-US" sz="2000" dirty="0" smtClean="0">
+                <a:solidFill>
+                  <a:srgbClr val="A31515"/>
+                </a:solidFill>
+              </a:rPr>
+              <a:t>Binding</a:t>
+            </a:r>
+            <a:r>
+              <a:rPr lang="en-US" sz="2000" dirty="0" smtClean="0">
+                <a:solidFill>
+                  <a:srgbClr val="FF0000"/>
+                </a:solidFill>
+              </a:rPr>
+              <a:t> </a:t>
+            </a:r>
+            <a:r>
+              <a:rPr lang="en-US" sz="2000" dirty="0" err="1" smtClean="0">
+                <a:solidFill>
+                  <a:srgbClr val="FF0000"/>
+                </a:solidFill>
+              </a:rPr>
+              <a:t>NavigateToCommand</a:t>
+            </a:r>
+            <a:r>
+              <a:rPr lang="en-US" sz="2000" dirty="0" smtClean="0">
+                <a:solidFill>
+                  <a:srgbClr val="0000FF"/>
+                </a:solidFill>
+              </a:rPr>
+              <a:t>}“ </a:t>
+            </a:r>
+          </a:p>
+          <a:p>
+            <a:pPr>
+              <a:buNone/>
+            </a:pPr>
+            <a:r>
+              <a:rPr lang="en-US" sz="2000" dirty="0" smtClean="0">
+                <a:solidFill>
+                  <a:srgbClr val="0000FF"/>
+                </a:solidFill>
+              </a:rPr>
+              <a:t>	</a:t>
+            </a:r>
+            <a:r>
+              <a:rPr lang="en-US" sz="2000" dirty="0" smtClean="0">
+                <a:solidFill>
+                  <a:srgbClr val="0000FF"/>
+                </a:solidFill>
+              </a:rPr>
+              <a:t>	            </a:t>
+            </a:r>
+            <a:r>
+              <a:rPr lang="en-US" sz="2000" dirty="0" err="1" smtClean="0">
+                <a:solidFill>
+                  <a:srgbClr val="FF0000"/>
+                </a:solidFill>
+              </a:rPr>
+              <a:t>IncludeEventArgs</a:t>
+            </a:r>
+            <a:r>
+              <a:rPr lang="en-US" sz="2000" dirty="0" smtClean="0">
+                <a:solidFill>
+                  <a:srgbClr val="0000FF"/>
+                </a:solidFill>
+              </a:rPr>
+              <a:t>=“True”</a:t>
+            </a:r>
+            <a:r>
+              <a:rPr lang="en-US" sz="2000" dirty="0" smtClean="0">
+                <a:solidFill>
+                  <a:srgbClr val="FF0000"/>
+                </a:solidFill>
+              </a:rPr>
+              <a:t> </a:t>
+            </a:r>
+            <a:r>
+              <a:rPr lang="en-US" sz="2000" dirty="0" smtClean="0">
+                <a:solidFill>
+                  <a:srgbClr val="0000FF"/>
+                </a:solidFill>
+              </a:rPr>
+              <a:t> /&gt;</a:t>
+            </a:r>
+            <a:r>
+              <a:rPr lang="en-US" sz="2000" dirty="0" smtClean="0"/>
+              <a:t/>
+            </a:r>
+            <a:br>
+              <a:rPr lang="en-US" sz="2000" dirty="0" smtClean="0"/>
+            </a:br>
+            <a:r>
+              <a:rPr lang="en-US" sz="2000" dirty="0" smtClean="0">
+                <a:solidFill>
+                  <a:srgbClr val="A31515"/>
+                </a:solidFill>
+              </a:rPr>
+              <a:t>    </a:t>
+            </a:r>
+            <a:r>
+              <a:rPr lang="en-US" sz="2000" dirty="0" smtClean="0">
+                <a:solidFill>
+                  <a:srgbClr val="0000FF"/>
+                </a:solidFill>
+              </a:rPr>
+              <a:t>&lt;/</a:t>
+            </a:r>
+            <a:r>
+              <a:rPr lang="en-US" sz="2000" dirty="0" err="1" smtClean="0">
+                <a:solidFill>
+                  <a:srgbClr val="A31515"/>
+                </a:solidFill>
+              </a:rPr>
+              <a:t>Interactivity</a:t>
+            </a:r>
+            <a:r>
+              <a:rPr lang="en-US" sz="2000" dirty="0" err="1" smtClean="0">
+                <a:solidFill>
+                  <a:srgbClr val="0000FF"/>
+                </a:solidFill>
+              </a:rPr>
+              <a:t>:</a:t>
+            </a:r>
+            <a:r>
+              <a:rPr lang="en-US" sz="2000" dirty="0" err="1" smtClean="0">
+                <a:solidFill>
+                  <a:srgbClr val="A31515"/>
+                </a:solidFill>
+              </a:rPr>
+              <a:t>EventTrigger</a:t>
+            </a:r>
+            <a:r>
+              <a:rPr lang="en-US" sz="2000" dirty="0" smtClean="0">
+                <a:solidFill>
+                  <a:srgbClr val="0000FF"/>
+                </a:solidFill>
+              </a:rPr>
+              <a:t>&gt;</a:t>
+            </a:r>
+            <a:br>
+              <a:rPr lang="en-US" sz="2000" dirty="0" smtClean="0">
+                <a:solidFill>
+                  <a:srgbClr val="0000FF"/>
+                </a:solidFill>
+              </a:rPr>
+            </a:br>
+            <a:r>
+              <a:rPr lang="en-US" sz="2000" dirty="0" smtClean="0">
+                <a:solidFill>
+                  <a:srgbClr val="0000FF"/>
+                </a:solidFill>
+              </a:rPr>
+              <a:t>&lt;/</a:t>
+            </a:r>
+            <a:r>
+              <a:rPr lang="en-US" sz="2000" dirty="0" err="1" smtClean="0">
+                <a:solidFill>
+                  <a:srgbClr val="A31515"/>
+                </a:solidFill>
+              </a:rPr>
+              <a:t>Interactivity</a:t>
+            </a:r>
+            <a:r>
+              <a:rPr lang="en-US" sz="2000" dirty="0" err="1" smtClean="0">
+                <a:solidFill>
+                  <a:srgbClr val="0000FF"/>
+                </a:solidFill>
+              </a:rPr>
+              <a:t>:</a:t>
+            </a:r>
+            <a:r>
+              <a:rPr lang="en-US" sz="2000" dirty="0" err="1" smtClean="0">
+                <a:solidFill>
+                  <a:srgbClr val="A31515"/>
+                </a:solidFill>
+              </a:rPr>
+              <a:t>Interaction.Triggers</a:t>
+            </a:r>
+            <a:r>
+              <a:rPr lang="en-US" sz="2000" dirty="0" smtClean="0">
+                <a:solidFill>
+                  <a:srgbClr val="0000FF"/>
+                </a:solidFill>
+              </a:rPr>
+              <a:t>&gt;</a:t>
+            </a:r>
+            <a:endParaRPr lang="en-US" sz="1600" dirty="0"/>
+          </a:p>
+        </p:txBody>
+      </p:sp>
+    </p:spTree>
+  </p:cSld>
+  <p:clrMapOvr>
+    <a:masterClrMapping/>
+  </p:clrMapOvr>
+</p:sld>
+</file>
+
+<file path=ppt/slides/slide17.xml><?xml version="1.0" encoding="utf-8"?>
+<p:sld xmlns:a="http://schemas.openxmlformats.org/drawingml/2006/main" xmlns:r="http://schemas.openxmlformats.org/officeDocument/2006/relationships" xmlns:p="http://schemas.openxmlformats.org/presentationml/2006/main">
+  <p:cSld>
+    <p:spTree>
+      <p:nvGrpSpPr>
+        <p:cNvPr id="1" name=""/>
+        <p:cNvGrpSpPr/>
+        <p:nvPr/>
+      </p:nvGrpSpPr>
+      <p:grpSpPr>
+        <a:xfrm>
+          <a:off x="0" y="0"/>
+          <a:ext cx="0" cy="0"/>
+          <a:chOff x="0" y="0"/>
+          <a:chExt cx="0" cy="0"/>
+        </a:xfrm>
+      </p:grpSpPr>
+      <p:sp>
+        <p:nvSpPr>
+          <p:cNvPr id="2" name="Title 1"/>
+          <p:cNvSpPr>
+            <a:spLocks noGrp="1"/>
+          </p:cNvSpPr>
+          <p:nvPr>
+            <p:ph type="title"/>
+          </p:nvPr>
+        </p:nvSpPr>
+        <p:spPr/>
+        <p:txBody>
+          <a:bodyPr/>
+          <a:lstStyle/>
+          <a:p>
+            <a:r>
+              <a:rPr lang="en-US" dirty="0" smtClean="0"/>
+              <a:t>Testing the </a:t>
+            </a:r>
+            <a:r>
+              <a:rPr lang="en-US" dirty="0" err="1" smtClean="0"/>
+              <a:t>ViewModel</a:t>
+            </a:r>
+            <a:endParaRPr lang="en-US" dirty="0"/>
+          </a:p>
+        </p:txBody>
+      </p:sp>
+      <p:sp>
+        <p:nvSpPr>
+          <p:cNvPr id="3" name="Content Placeholder 2"/>
+          <p:cNvSpPr>
+            <a:spLocks noGrp="1"/>
+          </p:cNvSpPr>
+          <p:nvPr>
+            <p:ph sz="quarter" idx="1"/>
+          </p:nvPr>
+        </p:nvSpPr>
+        <p:spPr>
+          <a:xfrm>
+            <a:off x="228600" y="1219200"/>
+            <a:ext cx="8686800" cy="5410200"/>
+          </a:xfrm>
+        </p:spPr>
+        <p:txBody>
+          <a:bodyPr>
+            <a:normAutofit fontScale="55000" lnSpcReduction="20000"/>
+          </a:bodyPr>
+          <a:lstStyle/>
+          <a:p>
+            <a:pPr>
+              <a:buNone/>
+            </a:pPr>
+            <a:r>
+              <a:rPr lang="en-US" dirty="0" smtClean="0"/>
+              <a:t>[</a:t>
+            </a:r>
+            <a:r>
+              <a:rPr lang="en-US" dirty="0" err="1" smtClean="0"/>
+              <a:t>TestMethod</a:t>
+            </a:r>
+            <a:r>
+              <a:rPr lang="en-US" dirty="0" smtClean="0"/>
+              <a:t>]</a:t>
+            </a:r>
+          </a:p>
+          <a:p>
+            <a:pPr>
+              <a:buNone/>
+            </a:pPr>
+            <a:r>
+              <a:rPr lang="en-US" dirty="0" smtClean="0"/>
+              <a:t>public void </a:t>
+            </a:r>
+            <a:r>
+              <a:rPr lang="en-US" dirty="0" err="1" smtClean="0"/>
+              <a:t>ExampleViewModel_RefreshCommand_Overrights_Model_Changes</a:t>
+            </a:r>
+            <a:r>
+              <a:rPr lang="en-US" dirty="0" smtClean="0"/>
+              <a:t>()</a:t>
+            </a:r>
+            <a:endParaRPr lang="en-US" dirty="0" smtClean="0"/>
+          </a:p>
+          <a:p>
+            <a:pPr>
+              <a:buNone/>
+            </a:pPr>
+            <a:r>
+              <a:rPr lang="en-US" dirty="0" smtClean="0"/>
+              <a:t>{</a:t>
+            </a:r>
+          </a:p>
+          <a:p>
+            <a:pPr>
+              <a:buNone/>
+            </a:pPr>
+            <a:r>
+              <a:rPr lang="en-US" dirty="0" smtClean="0"/>
+              <a:t>	</a:t>
+            </a:r>
+            <a:r>
+              <a:rPr lang="en-US" dirty="0" err="1" smtClean="0"/>
+              <a:t>ExampleViewModel</a:t>
+            </a:r>
+            <a:r>
+              <a:rPr lang="en-US" dirty="0" smtClean="0"/>
+              <a:t> target = new </a:t>
+            </a:r>
+            <a:r>
+              <a:rPr lang="en-US" dirty="0" err="1" smtClean="0"/>
+              <a:t>ExampleViewModel</a:t>
+            </a:r>
+            <a:r>
+              <a:rPr lang="en-US" dirty="0" smtClean="0"/>
+              <a:t>(</a:t>
+            </a:r>
+            <a:r>
+              <a:rPr lang="en-US" dirty="0" err="1" smtClean="0"/>
+              <a:t>FakeRepository</a:t>
+            </a:r>
+            <a:r>
+              <a:rPr lang="en-US" dirty="0" smtClean="0"/>
+              <a:t>);</a:t>
+            </a:r>
+          </a:p>
+          <a:p>
+            <a:pPr>
+              <a:buNone/>
+            </a:pPr>
+            <a:r>
+              <a:rPr lang="en-US" dirty="0" smtClean="0"/>
+              <a:t>	</a:t>
+            </a:r>
+            <a:r>
+              <a:rPr lang="en-US" dirty="0" err="1" smtClean="0"/>
+              <a:t>var</a:t>
+            </a:r>
+            <a:r>
+              <a:rPr lang="en-US" dirty="0" smtClean="0"/>
+              <a:t> </a:t>
+            </a:r>
+            <a:r>
+              <a:rPr lang="en-US" dirty="0" err="1" smtClean="0"/>
+              <a:t>expectedFirstName</a:t>
+            </a:r>
+            <a:r>
+              <a:rPr lang="en-US" dirty="0" smtClean="0"/>
+              <a:t> = </a:t>
+            </a:r>
+            <a:r>
+              <a:rPr lang="en-US" dirty="0" err="1" smtClean="0"/>
+              <a:t>target.FirstName</a:t>
+            </a:r>
+            <a:r>
+              <a:rPr lang="en-US" dirty="0" smtClean="0"/>
+              <a:t>;</a:t>
+            </a:r>
+          </a:p>
+          <a:p>
+            <a:pPr>
+              <a:buNone/>
+            </a:pPr>
+            <a:r>
+              <a:rPr lang="en-US" dirty="0" smtClean="0"/>
+              <a:t>	</a:t>
+            </a:r>
+            <a:r>
+              <a:rPr lang="en-US" dirty="0" err="1" smtClean="0"/>
+              <a:t>target.FirstName</a:t>
+            </a:r>
+            <a:r>
+              <a:rPr lang="en-US" dirty="0" smtClean="0"/>
+              <a:t> = “Test”;</a:t>
+            </a:r>
+            <a:endParaRPr lang="en-US" dirty="0" smtClean="0"/>
+          </a:p>
+          <a:p>
+            <a:pPr>
+              <a:buNone/>
+            </a:pPr>
+            <a:r>
+              <a:rPr lang="en-US" dirty="0" smtClean="0"/>
+              <a:t>	</a:t>
+            </a:r>
+            <a:r>
+              <a:rPr lang="en-US" dirty="0" err="1" smtClean="0"/>
+              <a:t>ExampleViewModel.RefreshCommand.Execute</a:t>
+            </a:r>
+            <a:r>
+              <a:rPr lang="en-US" dirty="0" smtClean="0"/>
+              <a:t>(null);</a:t>
+            </a:r>
+          </a:p>
+          <a:p>
+            <a:pPr>
+              <a:buNone/>
+            </a:pPr>
+            <a:r>
+              <a:rPr lang="en-US" dirty="0" smtClean="0"/>
+              <a:t>	</a:t>
+            </a:r>
+            <a:r>
+              <a:rPr lang="en-US" dirty="0" err="1" smtClean="0"/>
+              <a:t>Assert.AreEqual</a:t>
+            </a:r>
+            <a:r>
+              <a:rPr lang="en-US" dirty="0" smtClean="0"/>
+              <a:t>(</a:t>
+            </a:r>
+            <a:r>
+              <a:rPr lang="en-US" dirty="0" err="1" smtClean="0"/>
+              <a:t>expectedFirstName</a:t>
+            </a:r>
+            <a:r>
+              <a:rPr lang="en-US" dirty="0" smtClean="0"/>
+              <a:t>, </a:t>
+            </a:r>
+            <a:r>
+              <a:rPr lang="en-US" dirty="0" err="1" smtClean="0"/>
+              <a:t>target.FirstName</a:t>
+            </a:r>
+            <a:r>
+              <a:rPr lang="en-US" dirty="0" smtClean="0"/>
+              <a:t>);</a:t>
+            </a:r>
+          </a:p>
+          <a:p>
+            <a:pPr>
+              <a:buNone/>
+            </a:pPr>
+            <a:r>
+              <a:rPr lang="en-US" dirty="0" smtClean="0"/>
+              <a:t>}</a:t>
+            </a:r>
+            <a:endParaRPr lang="en-US" dirty="0" smtClean="0"/>
+          </a:p>
+          <a:p>
+            <a:pPr>
+              <a:buNone/>
+            </a:pPr>
+            <a:endParaRPr lang="en-US" dirty="0" smtClean="0"/>
+          </a:p>
+          <a:p>
+            <a:pPr>
+              <a:buNone/>
+            </a:pPr>
+            <a:r>
+              <a:rPr lang="en-US" dirty="0" smtClean="0"/>
+              <a:t>[</a:t>
+            </a:r>
+            <a:r>
+              <a:rPr lang="en-US" dirty="0" err="1" smtClean="0"/>
+              <a:t>TestMethod</a:t>
+            </a:r>
+            <a:r>
+              <a:rPr lang="en-US" dirty="0" smtClean="0"/>
+              <a:t>]</a:t>
+            </a:r>
+          </a:p>
+          <a:p>
+            <a:pPr>
+              <a:buNone/>
+            </a:pPr>
+            <a:r>
+              <a:rPr lang="en-US" dirty="0" smtClean="0"/>
+              <a:t>public void </a:t>
+            </a:r>
+            <a:r>
+              <a:rPr lang="en-US" dirty="0" err="1" smtClean="0"/>
+              <a:t>ExampleViewModel_Notified_FullName_Changed_On_FirstNameChange</a:t>
+            </a:r>
+            <a:r>
+              <a:rPr lang="en-US" dirty="0" smtClean="0"/>
+              <a:t>()</a:t>
+            </a:r>
+            <a:endParaRPr lang="en-US" dirty="0" smtClean="0"/>
+          </a:p>
+          <a:p>
+            <a:pPr>
+              <a:buNone/>
+            </a:pPr>
+            <a:r>
+              <a:rPr lang="en-US" dirty="0" smtClean="0"/>
+              <a:t>{</a:t>
+            </a:r>
+          </a:p>
+          <a:p>
+            <a:pPr>
+              <a:buNone/>
+            </a:pPr>
+            <a:r>
+              <a:rPr lang="en-US" dirty="0" smtClean="0"/>
+              <a:t>	</a:t>
+            </a:r>
+            <a:r>
+              <a:rPr lang="en-US" dirty="0" err="1" smtClean="0"/>
+              <a:t>ExampleViewModel</a:t>
+            </a:r>
+            <a:r>
+              <a:rPr lang="en-US" dirty="0" smtClean="0"/>
+              <a:t> </a:t>
+            </a:r>
+            <a:r>
+              <a:rPr lang="en-US" dirty="0" smtClean="0"/>
+              <a:t>target = new </a:t>
+            </a:r>
+            <a:r>
+              <a:rPr lang="en-US" dirty="0" err="1" smtClean="0"/>
+              <a:t>ExampleViewModel</a:t>
+            </a:r>
+            <a:r>
+              <a:rPr lang="en-US" dirty="0" smtClean="0"/>
+              <a:t>(</a:t>
+            </a:r>
+            <a:r>
+              <a:rPr lang="en-US" dirty="0" err="1" smtClean="0"/>
+              <a:t>FakeRepository</a:t>
+            </a:r>
+            <a:r>
+              <a:rPr lang="en-US" dirty="0" smtClean="0"/>
+              <a:t>);</a:t>
+            </a:r>
+          </a:p>
+          <a:p>
+            <a:pPr>
+              <a:buNone/>
+            </a:pPr>
+            <a:r>
+              <a:rPr lang="en-US" dirty="0" smtClean="0"/>
+              <a:t>	</a:t>
+            </a:r>
+            <a:r>
+              <a:rPr lang="en-US" dirty="0" err="1" smtClean="0"/>
+              <a:t>var</a:t>
+            </a:r>
+            <a:r>
+              <a:rPr lang="en-US" dirty="0" smtClean="0"/>
+              <a:t> </a:t>
+            </a:r>
+            <a:r>
+              <a:rPr lang="en-US" dirty="0" err="1" smtClean="0"/>
+              <a:t>fullNameChangeCalled</a:t>
+            </a:r>
+            <a:r>
+              <a:rPr lang="en-US" dirty="0" smtClean="0"/>
+              <a:t> = false;</a:t>
+            </a:r>
+          </a:p>
+          <a:p>
+            <a:pPr>
+              <a:buNone/>
+            </a:pPr>
+            <a:r>
+              <a:rPr lang="en-US" dirty="0" smtClean="0"/>
+              <a:t>	</a:t>
+            </a:r>
+            <a:r>
+              <a:rPr lang="en-US" dirty="0" err="1" smtClean="0"/>
+              <a:t>target.PropertyChanged</a:t>
+            </a:r>
+            <a:r>
+              <a:rPr lang="en-US" dirty="0" smtClean="0"/>
+              <a:t> += </a:t>
+            </a:r>
+          </a:p>
+          <a:p>
+            <a:pPr>
+              <a:buNone/>
+            </a:pPr>
+            <a:r>
+              <a:rPr lang="en-US" dirty="0" smtClean="0"/>
+              <a:t>	</a:t>
+            </a:r>
+            <a:r>
+              <a:rPr lang="en-US" dirty="0" smtClean="0"/>
+              <a:t>	(</a:t>
+            </a:r>
+            <a:r>
+              <a:rPr lang="en-US" dirty="0" err="1" smtClean="0"/>
+              <a:t>s,e</a:t>
+            </a:r>
+            <a:r>
+              <a:rPr lang="en-US" dirty="0" smtClean="0"/>
+              <a:t>) =&gt; {if (</a:t>
+            </a:r>
+            <a:r>
+              <a:rPr lang="en-US" dirty="0" err="1" smtClean="0"/>
+              <a:t>e.PropertyName</a:t>
+            </a:r>
+            <a:r>
+              <a:rPr lang="en-US" dirty="0" smtClean="0"/>
+              <a:t> == “</a:t>
+            </a:r>
+            <a:r>
+              <a:rPr lang="en-US" dirty="0" err="1" smtClean="0"/>
+              <a:t>FullName</a:t>
+            </a:r>
+            <a:r>
+              <a:rPr lang="en-US" dirty="0" smtClean="0"/>
+              <a:t>”) </a:t>
+            </a:r>
+            <a:r>
+              <a:rPr lang="en-US" dirty="0" err="1" smtClean="0"/>
+              <a:t>fullNameChangeCalled</a:t>
+            </a:r>
+            <a:r>
+              <a:rPr lang="en-US" dirty="0" smtClean="0"/>
+              <a:t> = true;};</a:t>
+            </a:r>
+          </a:p>
+          <a:p>
+            <a:pPr>
+              <a:buNone/>
+            </a:pPr>
+            <a:r>
+              <a:rPr lang="en-US" dirty="0" smtClean="0"/>
+              <a:t>	</a:t>
+            </a:r>
+            <a:r>
+              <a:rPr lang="en-US" dirty="0" err="1" smtClean="0"/>
+              <a:t>target.FirstName</a:t>
+            </a:r>
+            <a:r>
+              <a:rPr lang="en-US" dirty="0" smtClean="0"/>
+              <a:t> = “Test”;</a:t>
+            </a:r>
+          </a:p>
+          <a:p>
+            <a:pPr>
+              <a:buNone/>
+            </a:pPr>
+            <a:r>
+              <a:rPr lang="en-US" dirty="0" smtClean="0"/>
+              <a:t>	</a:t>
+            </a:r>
+            <a:r>
+              <a:rPr lang="en-US" dirty="0" err="1" smtClean="0"/>
+              <a:t>Assert.IsTrue</a:t>
+            </a:r>
+            <a:r>
+              <a:rPr lang="en-US" dirty="0" smtClean="0"/>
+              <a:t>(</a:t>
+            </a:r>
+            <a:r>
+              <a:rPr lang="en-US" dirty="0" err="1" smtClean="0"/>
+              <a:t>fullNameChangeCalled</a:t>
+            </a:r>
+            <a:r>
+              <a:rPr lang="en-US" dirty="0" smtClean="0"/>
+              <a:t>, “</a:t>
+            </a:r>
+            <a:r>
+              <a:rPr lang="en-US" dirty="0" err="1" smtClean="0"/>
+              <a:t>FullName</a:t>
+            </a:r>
+            <a:r>
+              <a:rPr lang="en-US" dirty="0" smtClean="0"/>
+              <a:t> Property Changed Did Not Fire”)</a:t>
+            </a:r>
+          </a:p>
+          <a:p>
+            <a:pPr>
+              <a:buNone/>
+            </a:pPr>
+            <a:r>
+              <a:rPr lang="en-US" dirty="0" smtClean="0"/>
+              <a:t>}</a:t>
+            </a:r>
+            <a:endParaRPr lang="en-US" dirty="0" smtClean="0"/>
+          </a:p>
+        </p:txBody>
+      </p:sp>
+    </p:spTree>
+  </p:cSld>
+  <p:clrMapOvr>
+    <a:masterClrMapping/>
+  </p:clrMapOvr>
+</p:sld>
+</file>
+
+<file path=ppt/slides/slide18.xml><?xml version="1.0" encoding="utf-8"?>
 <p:sld xmlns:a="http://schemas.openxmlformats.org/drawingml/2006/main" xmlns:r="http://schemas.openxmlformats.org/officeDocument/2006/relationships" xmlns:p="http://schemas.openxmlformats.org/presentationml/2006/main">
   <p:cSld>
     <p:spTree>
@@ -9082,7 +10267,7 @@
     </p:spTree>
     <p:extLst>
       <p:ext uri="{BB962C8B-B14F-4D97-AF65-F5344CB8AC3E}">
-        <p14:creationId xmlns:p14="http://schemas.microsoft.com/office/powerpoint/2010/main" val="3075132417"/>
+        <p14:creationId xmlns:p14="http://schemas.microsoft.com/office/powerpoint/2010/main" xmlns="" val="3075132417"/>
       </p:ext>
     </p:extLst>
   </p:cSld>
@@ -9446,6 +10631,97 @@
 </p:sld>
 </file>
 
+<file path=ppt/slides/slide19.xml><?xml version="1.0" encoding="utf-8"?>
+<p:sld xmlns:a="http://schemas.openxmlformats.org/drawingml/2006/main" xmlns:r="http://schemas.openxmlformats.org/officeDocument/2006/relationships" xmlns:p="http://schemas.openxmlformats.org/presentationml/2006/main">
+  <p:cSld>
+    <p:spTree>
+      <p:nvGrpSpPr>
+        <p:cNvPr id="1" name=""/>
+        <p:cNvGrpSpPr/>
+        <p:nvPr/>
+      </p:nvGrpSpPr>
+      <p:grpSpPr>
+        <a:xfrm>
+          <a:off x="0" y="0"/>
+          <a:ext cx="0" cy="0"/>
+          <a:chOff x="0" y="0"/>
+          <a:chExt cx="0" cy="0"/>
+        </a:xfrm>
+      </p:grpSpPr>
+      <p:sp>
+        <p:nvSpPr>
+          <p:cNvPr id="2" name="Title 1"/>
+          <p:cNvSpPr>
+            <a:spLocks noGrp="1"/>
+          </p:cNvSpPr>
+          <p:nvPr>
+            <p:ph type="title"/>
+          </p:nvPr>
+        </p:nvSpPr>
+        <p:spPr/>
+        <p:txBody>
+          <a:bodyPr/>
+          <a:lstStyle/>
+          <a:p>
+            <a:r>
+              <a:rPr lang="en-US" dirty="0" smtClean="0"/>
+              <a:t>More…</a:t>
+            </a:r>
+            <a:endParaRPr lang="en-US" dirty="0"/>
+          </a:p>
+        </p:txBody>
+      </p:sp>
+      <p:sp>
+        <p:nvSpPr>
+          <p:cNvPr id="3" name="Content Placeholder 2"/>
+          <p:cNvSpPr>
+            <a:spLocks noGrp="1"/>
+          </p:cNvSpPr>
+          <p:nvPr>
+            <p:ph sz="quarter" idx="1"/>
+          </p:nvPr>
+        </p:nvSpPr>
+        <p:spPr/>
+        <p:txBody>
+          <a:bodyPr/>
+          <a:lstStyle/>
+          <a:p>
+            <a:r>
+              <a:rPr lang="en-US" dirty="0" smtClean="0"/>
+              <a:t>Validation</a:t>
+            </a:r>
+          </a:p>
+          <a:p>
+            <a:r>
+              <a:rPr lang="en-US" dirty="0" smtClean="0"/>
+              <a:t>Using a Message Broker</a:t>
+            </a:r>
+          </a:p>
+          <a:p>
+            <a:r>
+              <a:rPr lang="en-US" dirty="0" smtClean="0"/>
+              <a:t>Including an IOC</a:t>
+            </a:r>
+          </a:p>
+          <a:p>
+            <a:r>
+              <a:rPr lang="en-US" dirty="0" smtClean="0"/>
+              <a:t>Command Pattern</a:t>
+            </a:r>
+          </a:p>
+          <a:p>
+            <a:endParaRPr lang="en-US" dirty="0"/>
+          </a:p>
+        </p:txBody>
+      </p:sp>
+    </p:spTree>
+  </p:cSld>
+  <p:clrMapOvr>
+    <a:masterClrMapping/>
+  </p:clrMapOvr>
+</p:sld>
+</file>
+
 <file path=ppt/slides/slide2.xml><?xml version="1.0" encoding="utf-8"?>
 <p:sld xmlns:a="http://schemas.openxmlformats.org/drawingml/2006/main" xmlns:r="http://schemas.openxmlformats.org/officeDocument/2006/relationships" xmlns:p="http://schemas.openxmlformats.org/presentationml/2006/main">
   <p:cSld>
@@ -9592,7 +10868,7 @@
     </p:spTree>
     <p:extLst>
       <p:ext uri="{BB962C8B-B14F-4D97-AF65-F5344CB8AC3E}">
-        <p14:creationId xmlns:p14="http://schemas.microsoft.com/office/powerpoint/2010/main" val="2853562330"/>
+        <p14:creationId xmlns:p14="http://schemas.microsoft.com/office/powerpoint/2010/main" xmlns="" val="2853562330"/>
       </p:ext>
     </p:extLst>
   </p:cSld>
@@ -9606,6 +10882,462 @@
       </p:par>
     </p:tnLst>
   </p:timing>
+</p:sld>
+</file>
+
+<file path=ppt/slides/slide20.xml><?xml version="1.0" encoding="utf-8"?>
+<p:sld xmlns:a="http://schemas.openxmlformats.org/drawingml/2006/main" xmlns:r="http://schemas.openxmlformats.org/officeDocument/2006/relationships" xmlns:p="http://schemas.openxmlformats.org/presentationml/2006/main">
+  <p:cSld>
+    <p:spTree>
+      <p:nvGrpSpPr>
+        <p:cNvPr id="1" name=""/>
+        <p:cNvGrpSpPr/>
+        <p:nvPr/>
+      </p:nvGrpSpPr>
+      <p:grpSpPr>
+        <a:xfrm>
+          <a:off x="0" y="0"/>
+          <a:ext cx="0" cy="0"/>
+          <a:chOff x="0" y="0"/>
+          <a:chExt cx="0" cy="0"/>
+        </a:xfrm>
+      </p:grpSpPr>
+      <p:sp>
+        <p:nvSpPr>
+          <p:cNvPr id="2" name="Title 1"/>
+          <p:cNvSpPr>
+            <a:spLocks noGrp="1"/>
+          </p:cNvSpPr>
+          <p:nvPr>
+            <p:ph type="title"/>
+          </p:nvPr>
+        </p:nvSpPr>
+        <p:spPr/>
+        <p:txBody>
+          <a:bodyPr/>
+          <a:lstStyle/>
+          <a:p>
+            <a:r>
+              <a:rPr lang="en-US" dirty="0" smtClean="0"/>
+              <a:t>Validation with </a:t>
+            </a:r>
+            <a:r>
+              <a:rPr lang="en-US" dirty="0" err="1" smtClean="0"/>
+              <a:t>IDataErrorInfo</a:t>
+            </a:r>
+            <a:endParaRPr lang="en-US" dirty="0"/>
+          </a:p>
+        </p:txBody>
+      </p:sp>
+      <p:sp>
+        <p:nvSpPr>
+          <p:cNvPr id="3" name="Content Placeholder 2"/>
+          <p:cNvSpPr>
+            <a:spLocks noGrp="1"/>
+          </p:cNvSpPr>
+          <p:nvPr>
+            <p:ph sz="quarter" idx="1"/>
+          </p:nvPr>
+        </p:nvSpPr>
+        <p:spPr/>
+        <p:txBody>
+          <a:bodyPr>
+            <a:normAutofit fontScale="47500" lnSpcReduction="20000"/>
+          </a:bodyPr>
+          <a:lstStyle/>
+          <a:p>
+            <a:r>
+              <a:rPr lang="en-US" dirty="0" smtClean="0"/>
+              <a:t>Binding Statement: {Binding </a:t>
+            </a:r>
+            <a:r>
+              <a:rPr lang="en-US" dirty="0" err="1" smtClean="0"/>
+              <a:t>CustomerType</a:t>
+            </a:r>
+            <a:r>
+              <a:rPr lang="en-US" dirty="0" smtClean="0"/>
+              <a:t>, </a:t>
+            </a:r>
+            <a:r>
+              <a:rPr lang="en-US" dirty="0" err="1" smtClean="0"/>
+              <a:t>ValidatesOnDataErrors</a:t>
+            </a:r>
+            <a:r>
+              <a:rPr lang="en-US" dirty="0" smtClean="0"/>
+              <a:t>=True</a:t>
+            </a:r>
+            <a:r>
+              <a:rPr lang="en-US" dirty="0" smtClean="0"/>
+              <a:t>}" </a:t>
+            </a:r>
+            <a:endParaRPr lang="en-US" dirty="0" smtClean="0"/>
+          </a:p>
+          <a:p>
+            <a:r>
+              <a:rPr lang="en-US" dirty="0" err="1" smtClean="0"/>
+              <a:t>DataAnnotations</a:t>
+            </a:r>
+            <a:r>
+              <a:rPr lang="en-US" dirty="0" smtClean="0"/>
+              <a:t> </a:t>
+            </a:r>
+            <a:r>
+              <a:rPr lang="en-US" dirty="0" smtClean="0"/>
+              <a:t>can also be used</a:t>
+            </a:r>
+          </a:p>
+          <a:p>
+            <a:pPr>
+              <a:buNone/>
+            </a:pPr>
+            <a:endParaRPr lang="en-US" dirty="0" smtClean="0">
+              <a:solidFill>
+                <a:srgbClr val="00B050"/>
+              </a:solidFill>
+            </a:endParaRPr>
+          </a:p>
+          <a:p>
+            <a:pPr>
+              <a:buNone/>
+            </a:pPr>
+            <a:r>
+              <a:rPr lang="en-US" dirty="0" smtClean="0">
+                <a:solidFill>
+                  <a:srgbClr val="00B050"/>
+                </a:solidFill>
+              </a:rPr>
+              <a:t>// </a:t>
+            </a:r>
+            <a:r>
+              <a:rPr lang="en-US" dirty="0" smtClean="0">
+                <a:solidFill>
+                  <a:srgbClr val="00B050"/>
+                </a:solidFill>
+              </a:rPr>
+              <a:t>In </a:t>
+            </a:r>
+            <a:r>
+              <a:rPr lang="en-US" dirty="0" err="1" smtClean="0">
+                <a:solidFill>
+                  <a:srgbClr val="00B050"/>
+                </a:solidFill>
+              </a:rPr>
+              <a:t>CustomerViewModel.cs</a:t>
+            </a:r>
+            <a:r>
+              <a:rPr lang="en-US" dirty="0" smtClean="0">
+                <a:solidFill>
+                  <a:srgbClr val="00B050"/>
+                </a:solidFill>
+              </a:rPr>
+              <a:t> string </a:t>
+            </a:r>
+          </a:p>
+          <a:p>
+            <a:pPr>
+              <a:buNone/>
+            </a:pPr>
+            <a:r>
+              <a:rPr lang="en-US" dirty="0" err="1" smtClean="0"/>
+              <a:t>IDataErrorInfo.this</a:t>
+            </a:r>
+            <a:r>
+              <a:rPr lang="en-US" dirty="0" smtClean="0"/>
+              <a:t>[string </a:t>
+            </a:r>
+            <a:r>
+              <a:rPr lang="en-US" dirty="0" err="1" smtClean="0"/>
+              <a:t>propertyName</a:t>
+            </a:r>
+            <a:r>
+              <a:rPr lang="en-US" dirty="0" smtClean="0"/>
+              <a:t>] </a:t>
+            </a:r>
+          </a:p>
+          <a:p>
+            <a:pPr>
+              <a:buNone/>
+            </a:pPr>
+            <a:r>
+              <a:rPr lang="en-US" dirty="0" smtClean="0"/>
+              <a:t>{ </a:t>
+            </a:r>
+          </a:p>
+          <a:p>
+            <a:pPr>
+              <a:buNone/>
+            </a:pPr>
+            <a:r>
+              <a:rPr lang="en-US" dirty="0" smtClean="0"/>
+              <a:t>	get </a:t>
+            </a:r>
+          </a:p>
+          <a:p>
+            <a:pPr>
+              <a:buNone/>
+            </a:pPr>
+            <a:r>
+              <a:rPr lang="en-US" dirty="0" smtClean="0"/>
+              <a:t>	{ </a:t>
+            </a:r>
+          </a:p>
+          <a:p>
+            <a:pPr>
+              <a:buNone/>
+            </a:pPr>
+            <a:r>
+              <a:rPr lang="en-US" dirty="0" smtClean="0"/>
+              <a:t>		string error = null; </a:t>
+            </a:r>
+          </a:p>
+          <a:p>
+            <a:pPr>
+              <a:buNone/>
+            </a:pPr>
+            <a:r>
+              <a:rPr lang="en-US" dirty="0" smtClean="0"/>
+              <a:t>		if (</a:t>
+            </a:r>
+            <a:r>
+              <a:rPr lang="en-US" dirty="0" err="1" smtClean="0"/>
+              <a:t>propertyName</a:t>
+            </a:r>
+            <a:r>
+              <a:rPr lang="en-US" dirty="0" smtClean="0"/>
+              <a:t> == "</a:t>
+            </a:r>
+            <a:r>
+              <a:rPr lang="en-US" dirty="0" err="1" smtClean="0"/>
+              <a:t>CustomerType</a:t>
+            </a:r>
+            <a:r>
+              <a:rPr lang="en-US" dirty="0" smtClean="0"/>
+              <a:t>") </a:t>
+            </a:r>
+          </a:p>
+          <a:p>
+            <a:pPr>
+              <a:buNone/>
+            </a:pPr>
+            <a:r>
+              <a:rPr lang="en-US" dirty="0" smtClean="0"/>
+              <a:t>		{ </a:t>
+            </a:r>
+          </a:p>
+          <a:p>
+            <a:pPr>
+              <a:buNone/>
+            </a:pPr>
+            <a:r>
+              <a:rPr lang="en-US" dirty="0" smtClean="0"/>
+              <a:t>			</a:t>
+            </a:r>
+            <a:r>
+              <a:rPr lang="en-US" dirty="0" smtClean="0">
+                <a:solidFill>
+                  <a:srgbClr val="00B050"/>
+                </a:solidFill>
+              </a:rPr>
+              <a:t>// The </a:t>
+            </a:r>
+            <a:r>
+              <a:rPr lang="en-US" dirty="0" err="1" smtClean="0">
+                <a:solidFill>
+                  <a:srgbClr val="00B050"/>
+                </a:solidFill>
+              </a:rPr>
+              <a:t>IsCompany</a:t>
+            </a:r>
+            <a:r>
+              <a:rPr lang="en-US" dirty="0" smtClean="0">
+                <a:solidFill>
+                  <a:srgbClr val="00B050"/>
+                </a:solidFill>
+              </a:rPr>
+              <a:t> property of the Customer class is Boolean, so it has no concept of being in an "unselected" state. The </a:t>
+            </a:r>
+            <a:r>
+              <a:rPr lang="en-US" dirty="0" err="1" smtClean="0">
+                <a:solidFill>
+                  <a:srgbClr val="00B050"/>
+                </a:solidFill>
+              </a:rPr>
+              <a:t>CustomerViewModel</a:t>
+            </a:r>
+            <a:r>
+              <a:rPr lang="en-US" dirty="0" smtClean="0">
+                <a:solidFill>
+                  <a:srgbClr val="00B050"/>
+                </a:solidFill>
+              </a:rPr>
+              <a:t> class </a:t>
+            </a:r>
+            <a:r>
+              <a:rPr lang="en-US" dirty="0" smtClean="0">
+                <a:solidFill>
+                  <a:srgbClr val="00B050"/>
+                </a:solidFill>
+              </a:rPr>
+              <a:t> handles </a:t>
+            </a:r>
+            <a:r>
+              <a:rPr lang="en-US" dirty="0" smtClean="0">
+                <a:solidFill>
+                  <a:srgbClr val="00B050"/>
+                </a:solidFill>
+              </a:rPr>
+              <a:t>this mapping and validation. </a:t>
+            </a:r>
+          </a:p>
+          <a:p>
+            <a:pPr>
+              <a:buNone/>
+            </a:pPr>
+            <a:r>
+              <a:rPr lang="en-US" dirty="0" smtClean="0"/>
+              <a:t>			error = </a:t>
+            </a:r>
+            <a:r>
+              <a:rPr lang="en-US" dirty="0" err="1" smtClean="0"/>
+              <a:t>this.ValidateCustomerType</a:t>
+            </a:r>
+            <a:r>
+              <a:rPr lang="en-US" dirty="0" smtClean="0"/>
+              <a:t>(); </a:t>
+            </a:r>
+          </a:p>
+          <a:p>
+            <a:pPr>
+              <a:buNone/>
+            </a:pPr>
+            <a:r>
+              <a:rPr lang="en-US" dirty="0" smtClean="0"/>
+              <a:t>		} </a:t>
+            </a:r>
+          </a:p>
+          <a:p>
+            <a:pPr>
+              <a:buNone/>
+            </a:pPr>
+            <a:r>
+              <a:rPr lang="en-US" dirty="0" smtClean="0"/>
+              <a:t>		else </a:t>
+            </a:r>
+            <a:r>
+              <a:rPr lang="en-US" dirty="0" smtClean="0"/>
+              <a:t> { error </a:t>
+            </a:r>
+            <a:r>
+              <a:rPr lang="en-US" dirty="0" smtClean="0"/>
+              <a:t>= (_customer as </a:t>
+            </a:r>
+            <a:r>
+              <a:rPr lang="en-US" dirty="0" err="1" smtClean="0"/>
+              <a:t>IDataErrorInfo</a:t>
+            </a:r>
+            <a:r>
+              <a:rPr lang="en-US" dirty="0" smtClean="0"/>
+              <a:t>)[</a:t>
+            </a:r>
+            <a:r>
+              <a:rPr lang="en-US" dirty="0" err="1" smtClean="0"/>
+              <a:t>propertyName</a:t>
+            </a:r>
+            <a:r>
+              <a:rPr lang="en-US" dirty="0" smtClean="0"/>
+              <a:t>]; </a:t>
+            </a:r>
+            <a:r>
+              <a:rPr lang="en-US" dirty="0" smtClean="0"/>
+              <a:t> } </a:t>
+            </a:r>
+            <a:endParaRPr lang="en-US" dirty="0" smtClean="0"/>
+          </a:p>
+          <a:p>
+            <a:pPr>
+              <a:buNone/>
+            </a:pPr>
+            <a:r>
+              <a:rPr lang="en-US" dirty="0" smtClean="0"/>
+              <a:t>		</a:t>
+            </a:r>
+            <a:r>
+              <a:rPr lang="en-US" dirty="0" smtClean="0">
+                <a:solidFill>
+                  <a:srgbClr val="00B050"/>
+                </a:solidFill>
+              </a:rPr>
+              <a:t>// Dirty the commands registered with </a:t>
+            </a:r>
+            <a:r>
+              <a:rPr lang="en-US" dirty="0" err="1" smtClean="0">
+                <a:solidFill>
+                  <a:srgbClr val="00B050"/>
+                </a:solidFill>
+              </a:rPr>
+              <a:t>CommandManager</a:t>
+            </a:r>
+            <a:r>
+              <a:rPr lang="en-US" dirty="0" smtClean="0">
+                <a:solidFill>
+                  <a:srgbClr val="00B050"/>
+                </a:solidFill>
+              </a:rPr>
+              <a:t>,  such as our Save command, so that they are queried  to see if they can execute now. </a:t>
+            </a:r>
+          </a:p>
+          <a:p>
+            <a:pPr>
+              <a:buNone/>
+            </a:pPr>
+            <a:r>
+              <a:rPr lang="en-US" dirty="0" smtClean="0"/>
+              <a:t>		</a:t>
+            </a:r>
+            <a:r>
+              <a:rPr lang="en-US" dirty="0" err="1" smtClean="0"/>
+              <a:t>CommandManager.InvalidateRequerySuggested</a:t>
+            </a:r>
+            <a:r>
+              <a:rPr lang="en-US" dirty="0" smtClean="0"/>
+              <a:t>(); </a:t>
+            </a:r>
+          </a:p>
+          <a:p>
+            <a:pPr>
+              <a:buNone/>
+            </a:pPr>
+            <a:r>
+              <a:rPr lang="en-US" dirty="0" smtClean="0"/>
+              <a:t>		return error; </a:t>
+            </a:r>
+          </a:p>
+          <a:p>
+            <a:pPr>
+              <a:buNone/>
+            </a:pPr>
+            <a:r>
+              <a:rPr lang="en-US" dirty="0" smtClean="0"/>
+              <a:t>	} </a:t>
+            </a:r>
+          </a:p>
+          <a:p>
+            <a:pPr>
+              <a:buNone/>
+            </a:pPr>
+            <a:r>
+              <a:rPr lang="en-US" dirty="0" smtClean="0"/>
+              <a:t>}</a:t>
+            </a:r>
+            <a:endParaRPr lang="en-US" dirty="0"/>
+          </a:p>
+        </p:txBody>
+      </p:sp>
+    </p:spTree>
+  </p:cSld>
+  <p:clrMapOvr>
+    <a:masterClrMapping/>
+  </p:clrMapOvr>
 </p:sld>
 </file>
 
@@ -9735,7 +11467,7 @@
     </p:spTree>
     <p:extLst>
       <p:ext uri="{BB962C8B-B14F-4D97-AF65-F5344CB8AC3E}">
-        <p14:creationId xmlns:p14="http://schemas.microsoft.com/office/powerpoint/2010/main" val="1162438213"/>
+        <p14:creationId xmlns:p14="http://schemas.microsoft.com/office/powerpoint/2010/main" xmlns="" val="1162438213"/>
       </p:ext>
     </p:extLst>
   </p:cSld>
@@ -9825,8 +11557,13 @@
             </a:r>
             <a:r>
               <a:rPr lang="en-US" dirty="0"/>
-              <a:t> allows you treat your Presentation layer as a logical system that can be treated the same as your architecture layers</a:t>
-            </a:r>
+              <a:t> allows you treat your Presentation layer as a logical system that can be treated the same as </a:t>
+            </a:r>
+            <a:r>
+              <a:rPr lang="en-US" dirty="0" smtClean="0"/>
+              <a:t>any other architecture layer</a:t>
+            </a:r>
+            <a:endParaRPr lang="en-US" dirty="0"/>
           </a:p>
           <a:p>
             <a:pPr lvl="1"/>
@@ -9864,7 +11601,7 @@
     </p:spTree>
     <p:extLst>
       <p:ext uri="{BB962C8B-B14F-4D97-AF65-F5344CB8AC3E}">
-        <p14:creationId xmlns:p14="http://schemas.microsoft.com/office/powerpoint/2010/main" val="3748002663"/>
+        <p14:creationId xmlns:p14="http://schemas.microsoft.com/office/powerpoint/2010/main" xmlns="" val="3748002663"/>
       </p:ext>
     </p:extLst>
   </p:cSld>
@@ -9997,7 +11734,7 @@
     </p:spTree>
     <p:extLst>
       <p:ext uri="{BB962C8B-B14F-4D97-AF65-F5344CB8AC3E}">
-        <p14:creationId xmlns:p14="http://schemas.microsoft.com/office/powerpoint/2010/main" val="3850469205"/>
+        <p14:creationId xmlns:p14="http://schemas.microsoft.com/office/powerpoint/2010/main" xmlns="" val="3850469205"/>
       </p:ext>
     </p:extLst>
   </p:cSld>
@@ -10141,7 +11878,7 @@
     </p:spTree>
     <p:extLst>
       <p:ext uri="{BB962C8B-B14F-4D97-AF65-F5344CB8AC3E}">
-        <p14:creationId xmlns:p14="http://schemas.microsoft.com/office/powerpoint/2010/main" val="596288430"/>
+        <p14:creationId xmlns:p14="http://schemas.microsoft.com/office/powerpoint/2010/main" xmlns="" val="596288430"/>
       </p:ext>
     </p:extLst>
   </p:cSld>
@@ -10277,7 +12014,7 @@
     </p:spTree>
     <p:extLst>
       <p:ext uri="{BB962C8B-B14F-4D97-AF65-F5344CB8AC3E}">
-        <p14:creationId xmlns:p14="http://schemas.microsoft.com/office/powerpoint/2010/main" val="1729729191"/>
+        <p14:creationId xmlns:p14="http://schemas.microsoft.com/office/powerpoint/2010/main" xmlns="" val="1729729191"/>
       </p:ext>
     </p:extLst>
   </p:cSld>
@@ -10500,7 +12237,7 @@
     </p:spTree>
     <p:extLst>
       <p:ext uri="{BB962C8B-B14F-4D97-AF65-F5344CB8AC3E}">
-        <p14:creationId xmlns:p14="http://schemas.microsoft.com/office/powerpoint/2010/main" val="1649092980"/>
+        <p14:creationId xmlns:p14="http://schemas.microsoft.com/office/powerpoint/2010/main" xmlns="" val="1649092980"/>
       </p:ext>
     </p:extLst>
   </p:cSld>
@@ -10566,10 +12303,10 @@
           <p:nvPr/>
         </p:nvPicPr>
         <p:blipFill>
-          <a:blip r:embed="rId3">
+          <a:blip r:embed="rId3" cstate="print">
             <a:extLst>
               <a:ext uri="{28A0092B-C50C-407E-A947-70E740481C1C}">
-                <a14:useLocalDpi xmlns:a14="http://schemas.microsoft.com/office/drawing/2010/main" val="0"/>
+                <a14:useLocalDpi xmlns:a14="http://schemas.microsoft.com/office/drawing/2010/main" xmlns="" val="0"/>
               </a:ext>
             </a:extLst>
           </a:blip>
@@ -10593,14 +12330,14 @@
           <a:effectLst/>
           <a:extLst>
             <a:ext uri="{909E8E84-426E-40DD-AFC4-6F175D3DCCD1}">
-              <a14:hiddenFill xmlns:a14="http://schemas.microsoft.com/office/drawing/2010/main">
+              <a14:hiddenFill xmlns:a14="http://schemas.microsoft.com/office/drawing/2010/main" xmlns="">
                 <a:solidFill>
                   <a:schemeClr val="accent1"/>
                 </a:solidFill>
               </a14:hiddenFill>
             </a:ext>
             <a:ext uri="{91240B29-F687-4F45-9708-019B960494DF}">
-              <a14:hiddenLine xmlns:a14="http://schemas.microsoft.com/office/drawing/2010/main" w="9525">
+              <a14:hiddenLine xmlns:a14="http://schemas.microsoft.com/office/drawing/2010/main" xmlns="" w="9525">
                 <a:solidFill>
                   <a:schemeClr val="tx1"/>
                 </a:solidFill>
@@ -10610,7 +12347,7 @@
               </a14:hiddenLine>
             </a:ext>
             <a:ext uri="{AF507438-7753-43E0-B8FC-AC1667EBCBE1}">
-              <a14:hiddenEffects xmlns:a14="http://schemas.microsoft.com/office/drawing/2010/main">
+              <a14:hiddenEffects xmlns:a14="http://schemas.microsoft.com/office/drawing/2010/main" xmlns="">
                 <a:effectLst>
                   <a:outerShdw dist="35921" dir="2700000" algn="ctr" rotWithShape="0">
                     <a:schemeClr val="bg2"/>
@@ -10624,7 +12361,7 @@
     </p:spTree>
     <p:extLst>
       <p:ext uri="{BB962C8B-B14F-4D97-AF65-F5344CB8AC3E}">
-        <p14:creationId xmlns:p14="http://schemas.microsoft.com/office/powerpoint/2010/main" val="1939668183"/>
+        <p14:creationId xmlns:p14="http://schemas.microsoft.com/office/powerpoint/2010/main" xmlns="" val="1939668183"/>
       </p:ext>
     </p:extLst>
   </p:cSld>
